--- a/Projet Final.pptx
+++ b/Projet Final.pptx
@@ -6,14 +6,24 @@
   </p:sldMasterIdLst>
   <p:sldIdLst>
     <p:sldId id="256" r:id="rId2"/>
-    <p:sldId id="257" r:id="rId3"/>
-    <p:sldId id="260" r:id="rId4"/>
-    <p:sldId id="261" r:id="rId5"/>
-    <p:sldId id="262" r:id="rId6"/>
-    <p:sldId id="258" r:id="rId7"/>
-    <p:sldId id="263" r:id="rId8"/>
-    <p:sldId id="264" r:id="rId9"/>
-    <p:sldId id="265" r:id="rId10"/>
+    <p:sldId id="268" r:id="rId3"/>
+    <p:sldId id="257" r:id="rId4"/>
+    <p:sldId id="260" r:id="rId5"/>
+    <p:sldId id="261" r:id="rId6"/>
+    <p:sldId id="269" r:id="rId7"/>
+    <p:sldId id="262" r:id="rId8"/>
+    <p:sldId id="258" r:id="rId9"/>
+    <p:sldId id="263" r:id="rId10"/>
+    <p:sldId id="270" r:id="rId11"/>
+    <p:sldId id="264" r:id="rId12"/>
+    <p:sldId id="266" r:id="rId13"/>
+    <p:sldId id="267" r:id="rId14"/>
+    <p:sldId id="275" r:id="rId15"/>
+    <p:sldId id="272" r:id="rId16"/>
+    <p:sldId id="271" r:id="rId17"/>
+    <p:sldId id="265" r:id="rId18"/>
+    <p:sldId id="274" r:id="rId19"/>
+    <p:sldId id="273" r:id="rId20"/>
   </p:sldIdLst>
   <p:sldSz cx="12192000" cy="6858000"/>
   <p:notesSz cx="6858000" cy="9144000"/>
@@ -122,6 +132,7 @@
         </p14:section>
         <p14:section name="Introduction" id="{C1C339D8-0E3A-4001-8446-EAD2539E5E2E}">
           <p14:sldIdLst>
+            <p14:sldId id="268"/>
             <p14:sldId id="257"/>
             <p14:sldId id="260"/>
             <p14:sldId id="261"/>
@@ -129,6 +140,7 @@
         </p14:section>
         <p14:section name="architecture du projet" id="{05E6BB5E-DDF6-4F24-89A1-6CB5588539BE}">
           <p14:sldIdLst>
+            <p14:sldId id="269"/>
             <p14:sldId id="262"/>
             <p14:sldId id="258"/>
             <p14:sldId id="263"/>
@@ -136,16 +148,25 @@
         </p14:section>
         <p14:section name="organisation" id="{F03830B0-6D95-4821-B793-CE7752C89561}">
           <p14:sldIdLst>
+            <p14:sldId id="270"/>
             <p14:sldId id="264"/>
           </p14:sldIdLst>
         </p14:section>
         <p14:section name="road map" id="{397AE92D-378A-4389-A6D6-DE7E1AFD00D5}">
           <p14:sldIdLst>
+            <p14:sldId id="266"/>
+            <p14:sldId id="267"/>
+            <p14:sldId id="275"/>
+            <p14:sldId id="272"/>
+            <p14:sldId id="271"/>
             <p14:sldId id="265"/>
           </p14:sldIdLst>
         </p14:section>
-        <p14:section name="Section sans titre" id="{D4E76FCF-A576-4CCA-8C87-749AB8D40452}">
-          <p14:sldIdLst/>
+        <p14:section name="Analyses" id="{D4E76FCF-A576-4CCA-8C87-749AB8D40452}">
+          <p14:sldIdLst>
+            <p14:sldId id="274"/>
+            <p14:sldId id="273"/>
+          </p14:sldIdLst>
         </p14:section>
       </p14:sectionLst>
     </p:ext>
@@ -158,6 +179,697 @@
 
 <file path=ppt/changesInfos/changesInfo1.xml><?xml version="1.0" encoding="utf-8"?>
 <pc:chgInfo xmlns:a="http://schemas.openxmlformats.org/drawingml/2006/main" xmlns:r="http://schemas.openxmlformats.org/officeDocument/2006/relationships" xmlns:ac="http://schemas.microsoft.com/office/drawing/2013/main/command" xmlns:pc="http://schemas.microsoft.com/office/powerpoint/2013/main/command">
+  <pc:docChgLst>
+    <pc:chgData name="Sephora Kumeka" userId="b434015ba59474e6" providerId="LiveId" clId="{C213F0FF-57D5-431D-9813-27C9129B6334}"/>
+    <pc:docChg chg="undo redo custSel addSld delSld modSld sldOrd modSection">
+      <pc:chgData name="Sephora Kumeka" userId="b434015ba59474e6" providerId="LiveId" clId="{C213F0FF-57D5-431D-9813-27C9129B6334}" dt="2023-04-26T14:54:11.042" v="1583" actId="122"/>
+      <pc:docMkLst>
+        <pc:docMk/>
+      </pc:docMkLst>
+      <pc:sldChg chg="modSp mod">
+        <pc:chgData name="Sephora Kumeka" userId="b434015ba59474e6" providerId="LiveId" clId="{C213F0FF-57D5-431D-9813-27C9129B6334}" dt="2023-04-26T08:56:41.487" v="63" actId="20577"/>
+        <pc:sldMkLst>
+          <pc:docMk/>
+          <pc:sldMk cId="649648059" sldId="263"/>
+        </pc:sldMkLst>
+        <pc:spChg chg="mod">
+          <ac:chgData name="Sephora Kumeka" userId="b434015ba59474e6" providerId="LiveId" clId="{C213F0FF-57D5-431D-9813-27C9129B6334}" dt="2023-04-26T08:56:41.487" v="63" actId="20577"/>
+          <ac:spMkLst>
+            <pc:docMk/>
+            <pc:sldMk cId="649648059" sldId="263"/>
+            <ac:spMk id="3" creationId="{4E6BFD31-0F79-EEB0-ACD6-080B6665F107}"/>
+          </ac:spMkLst>
+        </pc:spChg>
+      </pc:sldChg>
+      <pc:sldChg chg="modSp mod">
+        <pc:chgData name="Sephora Kumeka" userId="b434015ba59474e6" providerId="LiveId" clId="{C213F0FF-57D5-431D-9813-27C9129B6334}" dt="2023-04-26T09:16:36.709" v="117" actId="20577"/>
+        <pc:sldMkLst>
+          <pc:docMk/>
+          <pc:sldMk cId="2940658040" sldId="264"/>
+        </pc:sldMkLst>
+        <pc:spChg chg="mod">
+          <ac:chgData name="Sephora Kumeka" userId="b434015ba59474e6" providerId="LiveId" clId="{C213F0FF-57D5-431D-9813-27C9129B6334}" dt="2023-04-26T09:15:49.392" v="76" actId="122"/>
+          <ac:spMkLst>
+            <pc:docMk/>
+            <pc:sldMk cId="2940658040" sldId="264"/>
+            <ac:spMk id="2" creationId="{02327891-C8A1-3041-EF04-1B559AC81D48}"/>
+          </ac:spMkLst>
+        </pc:spChg>
+        <pc:spChg chg="mod">
+          <ac:chgData name="Sephora Kumeka" userId="b434015ba59474e6" providerId="LiveId" clId="{C213F0FF-57D5-431D-9813-27C9129B6334}" dt="2023-04-26T09:16:36.709" v="117" actId="20577"/>
+          <ac:spMkLst>
+            <pc:docMk/>
+            <pc:sldMk cId="2940658040" sldId="264"/>
+            <ac:spMk id="3" creationId="{3357FF9D-FEA6-8F8C-222A-9D9ACCD85409}"/>
+          </ac:spMkLst>
+        </pc:spChg>
+      </pc:sldChg>
+      <pc:sldChg chg="modSp mod">
+        <pc:chgData name="Sephora Kumeka" userId="b434015ba59474e6" providerId="LiveId" clId="{C213F0FF-57D5-431D-9813-27C9129B6334}" dt="2023-04-26T10:11:44.197" v="928" actId="27636"/>
+        <pc:sldMkLst>
+          <pc:docMk/>
+          <pc:sldMk cId="2702291591" sldId="265"/>
+        </pc:sldMkLst>
+        <pc:spChg chg="mod">
+          <ac:chgData name="Sephora Kumeka" userId="b434015ba59474e6" providerId="LiveId" clId="{C213F0FF-57D5-431D-9813-27C9129B6334}" dt="2023-04-26T09:26:22.973" v="181" actId="20577"/>
+          <ac:spMkLst>
+            <pc:docMk/>
+            <pc:sldMk cId="2702291591" sldId="265"/>
+            <ac:spMk id="2" creationId="{4DD1EA34-19E0-2DAD-0794-3337773037D1}"/>
+          </ac:spMkLst>
+        </pc:spChg>
+        <pc:spChg chg="mod">
+          <ac:chgData name="Sephora Kumeka" userId="b434015ba59474e6" providerId="LiveId" clId="{C213F0FF-57D5-431D-9813-27C9129B6334}" dt="2023-04-26T10:11:44.197" v="928" actId="27636"/>
+          <ac:spMkLst>
+            <pc:docMk/>
+            <pc:sldMk cId="2702291591" sldId="265"/>
+            <ac:spMk id="3" creationId="{648AB00C-C18C-718F-3939-C0C8958A48CA}"/>
+          </ac:spMkLst>
+        </pc:spChg>
+      </pc:sldChg>
+      <pc:sldChg chg="modSp new mod ord">
+        <pc:chgData name="Sephora Kumeka" userId="b434015ba59474e6" providerId="LiveId" clId="{C213F0FF-57D5-431D-9813-27C9129B6334}" dt="2023-04-26T14:29:42.779" v="1523"/>
+        <pc:sldMkLst>
+          <pc:docMk/>
+          <pc:sldMk cId="4103804385" sldId="266"/>
+        </pc:sldMkLst>
+        <pc:spChg chg="mod">
+          <ac:chgData name="Sephora Kumeka" userId="b434015ba59474e6" providerId="LiveId" clId="{C213F0FF-57D5-431D-9813-27C9129B6334}" dt="2023-04-26T10:33:58.495" v="992" actId="122"/>
+          <ac:spMkLst>
+            <pc:docMk/>
+            <pc:sldMk cId="4103804385" sldId="266"/>
+            <ac:spMk id="2" creationId="{F38CD41D-999E-015D-9972-8B42CDD971FE}"/>
+          </ac:spMkLst>
+        </pc:spChg>
+      </pc:sldChg>
+      <pc:sldChg chg="addSp delSp modSp new mod">
+        <pc:chgData name="Sephora Kumeka" userId="b434015ba59474e6" providerId="LiveId" clId="{C213F0FF-57D5-431D-9813-27C9129B6334}" dt="2023-04-26T14:35:49.111" v="1541" actId="1076"/>
+        <pc:sldMkLst>
+          <pc:docMk/>
+          <pc:sldMk cId="2789718086" sldId="267"/>
+        </pc:sldMkLst>
+        <pc:spChg chg="mod">
+          <ac:chgData name="Sephora Kumeka" userId="b434015ba59474e6" providerId="LiveId" clId="{C213F0FF-57D5-431D-9813-27C9129B6334}" dt="2023-04-26T13:19:40.134" v="1223" actId="20577"/>
+          <ac:spMkLst>
+            <pc:docMk/>
+            <pc:sldMk cId="2789718086" sldId="267"/>
+            <ac:spMk id="2" creationId="{5FE38B66-487A-1BA8-0ACD-DAF7409978EC}"/>
+          </ac:spMkLst>
+        </pc:spChg>
+        <pc:spChg chg="del">
+          <ac:chgData name="Sephora Kumeka" userId="b434015ba59474e6" providerId="LiveId" clId="{C213F0FF-57D5-431D-9813-27C9129B6334}" dt="2023-04-26T13:10:32.859" v="1112" actId="478"/>
+          <ac:spMkLst>
+            <pc:docMk/>
+            <pc:sldMk cId="2789718086" sldId="267"/>
+            <ac:spMk id="3" creationId="{59A71002-ADFC-6CC5-F06B-207B86C6E552}"/>
+          </ac:spMkLst>
+        </pc:spChg>
+        <pc:spChg chg="add mod">
+          <ac:chgData name="Sephora Kumeka" userId="b434015ba59474e6" providerId="LiveId" clId="{C213F0FF-57D5-431D-9813-27C9129B6334}" dt="2023-04-26T13:23:56.994" v="1224" actId="1076"/>
+          <ac:spMkLst>
+            <pc:docMk/>
+            <pc:sldMk cId="2789718086" sldId="267"/>
+            <ac:spMk id="4" creationId="{2BBFB392-17E7-E3D8-52B2-538C1AFB385A}"/>
+          </ac:spMkLst>
+        </pc:spChg>
+        <pc:spChg chg="add mod">
+          <ac:chgData name="Sephora Kumeka" userId="b434015ba59474e6" providerId="LiveId" clId="{C213F0FF-57D5-431D-9813-27C9129B6334}" dt="2023-04-26T13:36:41.775" v="1247" actId="20577"/>
+          <ac:spMkLst>
+            <pc:docMk/>
+            <pc:sldMk cId="2789718086" sldId="267"/>
+            <ac:spMk id="6" creationId="{1ABD04F1-1336-A9B8-6F6E-C0B4D134BA66}"/>
+          </ac:spMkLst>
+        </pc:spChg>
+        <pc:spChg chg="add mod">
+          <ac:chgData name="Sephora Kumeka" userId="b434015ba59474e6" providerId="LiveId" clId="{C213F0FF-57D5-431D-9813-27C9129B6334}" dt="2023-04-26T13:23:56.994" v="1224" actId="1076"/>
+          <ac:spMkLst>
+            <pc:docMk/>
+            <pc:sldMk cId="2789718086" sldId="267"/>
+            <ac:spMk id="7" creationId="{C0BEFEFC-81B7-78F7-F768-CC12CA6F4998}"/>
+          </ac:spMkLst>
+        </pc:spChg>
+        <pc:spChg chg="add del mod">
+          <ac:chgData name="Sephora Kumeka" userId="b434015ba59474e6" providerId="LiveId" clId="{C213F0FF-57D5-431D-9813-27C9129B6334}" dt="2023-04-26T12:47:26.565" v="998" actId="478"/>
+          <ac:spMkLst>
+            <pc:docMk/>
+            <pc:sldMk cId="2789718086" sldId="267"/>
+            <ac:spMk id="8" creationId="{C03601BA-8AD3-9E7B-9816-97E61ED0E31F}"/>
+          </ac:spMkLst>
+        </pc:spChg>
+        <pc:spChg chg="add mod">
+          <ac:chgData name="Sephora Kumeka" userId="b434015ba59474e6" providerId="LiveId" clId="{C213F0FF-57D5-431D-9813-27C9129B6334}" dt="2023-04-26T13:23:56.994" v="1224" actId="1076"/>
+          <ac:spMkLst>
+            <pc:docMk/>
+            <pc:sldMk cId="2789718086" sldId="267"/>
+            <ac:spMk id="9" creationId="{714F11A2-1720-4EFD-4F5F-3049D8A574FD}"/>
+          </ac:spMkLst>
+        </pc:spChg>
+        <pc:spChg chg="add mod">
+          <ac:chgData name="Sephora Kumeka" userId="b434015ba59474e6" providerId="LiveId" clId="{C213F0FF-57D5-431D-9813-27C9129B6334}" dt="2023-04-26T13:23:56.994" v="1224" actId="1076"/>
+          <ac:spMkLst>
+            <pc:docMk/>
+            <pc:sldMk cId="2789718086" sldId="267"/>
+            <ac:spMk id="10" creationId="{8543F6FE-2A74-4DE3-9F1B-7757C7B6B050}"/>
+          </ac:spMkLst>
+        </pc:spChg>
+        <pc:spChg chg="add mod">
+          <ac:chgData name="Sephora Kumeka" userId="b434015ba59474e6" providerId="LiveId" clId="{C213F0FF-57D5-431D-9813-27C9129B6334}" dt="2023-04-26T13:23:56.994" v="1224" actId="1076"/>
+          <ac:spMkLst>
+            <pc:docMk/>
+            <pc:sldMk cId="2789718086" sldId="267"/>
+            <ac:spMk id="11" creationId="{76E092CA-F693-AF50-0C39-55E37E177ABD}"/>
+          </ac:spMkLst>
+        </pc:spChg>
+        <pc:spChg chg="add mod">
+          <ac:chgData name="Sephora Kumeka" userId="b434015ba59474e6" providerId="LiveId" clId="{C213F0FF-57D5-431D-9813-27C9129B6334}" dt="2023-04-26T13:15:52.229" v="1173" actId="1076"/>
+          <ac:spMkLst>
+            <pc:docMk/>
+            <pc:sldMk cId="2789718086" sldId="267"/>
+            <ac:spMk id="75" creationId="{54965F83-998C-8B53-C60C-3E80BC590202}"/>
+          </ac:spMkLst>
+        </pc:spChg>
+        <pc:spChg chg="add del">
+          <ac:chgData name="Sephora Kumeka" userId="b434015ba59474e6" providerId="LiveId" clId="{C213F0FF-57D5-431D-9813-27C9129B6334}" dt="2023-04-26T13:16:44.931" v="1179" actId="478"/>
+          <ac:spMkLst>
+            <pc:docMk/>
+            <pc:sldMk cId="2789718086" sldId="267"/>
+            <ac:spMk id="76" creationId="{6EE7064C-B8E6-2860-34CE-B770F30F9CE9}"/>
+          </ac:spMkLst>
+        </pc:spChg>
+        <pc:spChg chg="add del">
+          <ac:chgData name="Sephora Kumeka" userId="b434015ba59474e6" providerId="LiveId" clId="{C213F0FF-57D5-431D-9813-27C9129B6334}" dt="2023-04-26T13:16:32.454" v="1176" actId="478"/>
+          <ac:spMkLst>
+            <pc:docMk/>
+            <pc:sldMk cId="2789718086" sldId="267"/>
+            <ac:spMk id="77" creationId="{EB1DD267-0D44-4195-2B3F-A08D4C12D9C7}"/>
+          </ac:spMkLst>
+        </pc:spChg>
+        <pc:spChg chg="add mod">
+          <ac:chgData name="Sephora Kumeka" userId="b434015ba59474e6" providerId="LiveId" clId="{C213F0FF-57D5-431D-9813-27C9129B6334}" dt="2023-04-26T14:35:45.519" v="1540" actId="1076"/>
+          <ac:spMkLst>
+            <pc:docMk/>
+            <pc:sldMk cId="2789718086" sldId="267"/>
+            <ac:spMk id="78" creationId="{DA306419-FF93-EF32-A011-C249A6C9DEFB}"/>
+          </ac:spMkLst>
+        </pc:spChg>
+        <pc:spChg chg="add mod">
+          <ac:chgData name="Sephora Kumeka" userId="b434015ba59474e6" providerId="LiveId" clId="{C213F0FF-57D5-431D-9813-27C9129B6334}" dt="2023-04-26T14:35:49.111" v="1541" actId="1076"/>
+          <ac:spMkLst>
+            <pc:docMk/>
+            <pc:sldMk cId="2789718086" sldId="267"/>
+            <ac:spMk id="79" creationId="{B17A128D-48CE-7322-E386-AC32064736AE}"/>
+          </ac:spMkLst>
+        </pc:spChg>
+        <pc:picChg chg="add del mod">
+          <ac:chgData name="Sephora Kumeka" userId="b434015ba59474e6" providerId="LiveId" clId="{C213F0FF-57D5-431D-9813-27C9129B6334}" dt="2023-04-26T12:52:38.463" v="1040" actId="478"/>
+          <ac:picMkLst>
+            <pc:docMk/>
+            <pc:sldMk cId="2789718086" sldId="267"/>
+            <ac:picMk id="28" creationId="{F195A7DF-B1A5-8BBA-CF5F-3898ED1090F5}"/>
+          </ac:picMkLst>
+        </pc:picChg>
+        <pc:cxnChg chg="add del mod">
+          <ac:chgData name="Sephora Kumeka" userId="b434015ba59474e6" providerId="LiveId" clId="{C213F0FF-57D5-431D-9813-27C9129B6334}" dt="2023-04-26T12:58:27.226" v="1066" actId="478"/>
+          <ac:cxnSpMkLst>
+            <pc:docMk/>
+            <pc:sldMk cId="2789718086" sldId="267"/>
+            <ac:cxnSpMk id="5" creationId="{F0F14E78-A0EE-05A8-9A15-62FBF0AEAB39}"/>
+          </ac:cxnSpMkLst>
+        </pc:cxnChg>
+        <pc:cxnChg chg="add del mod">
+          <ac:chgData name="Sephora Kumeka" userId="b434015ba59474e6" providerId="LiveId" clId="{C213F0FF-57D5-431D-9813-27C9129B6334}" dt="2023-04-26T12:47:29.598" v="999" actId="478"/>
+          <ac:cxnSpMkLst>
+            <pc:docMk/>
+            <pc:sldMk cId="2789718086" sldId="267"/>
+            <ac:cxnSpMk id="12" creationId="{6801E110-247A-8BD3-973F-91628B9B3908}"/>
+          </ac:cxnSpMkLst>
+        </pc:cxnChg>
+        <pc:cxnChg chg="add del mod">
+          <ac:chgData name="Sephora Kumeka" userId="b434015ba59474e6" providerId="LiveId" clId="{C213F0FF-57D5-431D-9813-27C9129B6334}" dt="2023-04-26T12:58:21.662" v="1063" actId="478"/>
+          <ac:cxnSpMkLst>
+            <pc:docMk/>
+            <pc:sldMk cId="2789718086" sldId="267"/>
+            <ac:cxnSpMk id="13" creationId="{42F05531-2CA4-B112-4F69-02D405542746}"/>
+          </ac:cxnSpMkLst>
+        </pc:cxnChg>
+        <pc:cxnChg chg="add del mod">
+          <ac:chgData name="Sephora Kumeka" userId="b434015ba59474e6" providerId="LiveId" clId="{C213F0FF-57D5-431D-9813-27C9129B6334}" dt="2023-04-26T12:58:20.758" v="1062" actId="478"/>
+          <ac:cxnSpMkLst>
+            <pc:docMk/>
+            <pc:sldMk cId="2789718086" sldId="267"/>
+            <ac:cxnSpMk id="14" creationId="{FE676819-AB8A-506C-80F6-E346B5DF9120}"/>
+          </ac:cxnSpMkLst>
+        </pc:cxnChg>
+        <pc:cxnChg chg="add del mod">
+          <ac:chgData name="Sephora Kumeka" userId="b434015ba59474e6" providerId="LiveId" clId="{C213F0FF-57D5-431D-9813-27C9129B6334}" dt="2023-04-26T12:58:19.297" v="1061" actId="478"/>
+          <ac:cxnSpMkLst>
+            <pc:docMk/>
+            <pc:sldMk cId="2789718086" sldId="267"/>
+            <ac:cxnSpMk id="15" creationId="{1B798A94-6C6B-BADC-9B74-DD6E3B5E394D}"/>
+          </ac:cxnSpMkLst>
+        </pc:cxnChg>
+        <pc:cxnChg chg="add del mod">
+          <ac:chgData name="Sephora Kumeka" userId="b434015ba59474e6" providerId="LiveId" clId="{C213F0FF-57D5-431D-9813-27C9129B6334}" dt="2023-04-26T12:58:23.142" v="1064" actId="478"/>
+          <ac:cxnSpMkLst>
+            <pc:docMk/>
+            <pc:sldMk cId="2789718086" sldId="267"/>
+            <ac:cxnSpMk id="16" creationId="{51236911-645A-F11D-7A29-8A598479C1FE}"/>
+          </ac:cxnSpMkLst>
+        </pc:cxnChg>
+        <pc:cxnChg chg="add del mod">
+          <ac:chgData name="Sephora Kumeka" userId="b434015ba59474e6" providerId="LiveId" clId="{C213F0FF-57D5-431D-9813-27C9129B6334}" dt="2023-04-26T12:58:24.997" v="1065" actId="478"/>
+          <ac:cxnSpMkLst>
+            <pc:docMk/>
+            <pc:sldMk cId="2789718086" sldId="267"/>
+            <ac:cxnSpMk id="17" creationId="{AA03A9CD-C5F4-2ACE-A374-6800B0CCF509}"/>
+          </ac:cxnSpMkLst>
+        </pc:cxnChg>
+        <pc:cxnChg chg="add mod">
+          <ac:chgData name="Sephora Kumeka" userId="b434015ba59474e6" providerId="LiveId" clId="{C213F0FF-57D5-431D-9813-27C9129B6334}" dt="2023-04-26T13:23:56.994" v="1224" actId="1076"/>
+          <ac:cxnSpMkLst>
+            <pc:docMk/>
+            <pc:sldMk cId="2789718086" sldId="267"/>
+            <ac:cxnSpMk id="25" creationId="{60CD6421-B7EB-3410-91CD-CCDF2551AFEF}"/>
+          </ac:cxnSpMkLst>
+        </pc:cxnChg>
+        <pc:cxnChg chg="add del mod">
+          <ac:chgData name="Sephora Kumeka" userId="b434015ba59474e6" providerId="LiveId" clId="{C213F0FF-57D5-431D-9813-27C9129B6334}" dt="2023-04-26T12:51:50.032" v="1031"/>
+          <ac:cxnSpMkLst>
+            <pc:docMk/>
+            <pc:sldMk cId="2789718086" sldId="267"/>
+            <ac:cxnSpMk id="26" creationId="{1799D74F-4B61-9C32-6DCE-3D202A2B3FEC}"/>
+          </ac:cxnSpMkLst>
+        </pc:cxnChg>
+        <pc:cxnChg chg="add del mod">
+          <ac:chgData name="Sephora Kumeka" userId="b434015ba59474e6" providerId="LiveId" clId="{C213F0FF-57D5-431D-9813-27C9129B6334}" dt="2023-04-26T12:51:49.657" v="1030"/>
+          <ac:cxnSpMkLst>
+            <pc:docMk/>
+            <pc:sldMk cId="2789718086" sldId="267"/>
+            <ac:cxnSpMk id="27" creationId="{48FC69F3-EBE9-34BA-F90D-98AFAF61A4A0}"/>
+          </ac:cxnSpMkLst>
+        </pc:cxnChg>
+        <pc:cxnChg chg="add mod">
+          <ac:chgData name="Sephora Kumeka" userId="b434015ba59474e6" providerId="LiveId" clId="{C213F0FF-57D5-431D-9813-27C9129B6334}" dt="2023-04-26T13:23:56.994" v="1224" actId="1076"/>
+          <ac:cxnSpMkLst>
+            <pc:docMk/>
+            <pc:sldMk cId="2789718086" sldId="267"/>
+            <ac:cxnSpMk id="51" creationId="{9C149732-E703-9351-1081-E8A8017EFBE4}"/>
+          </ac:cxnSpMkLst>
+        </pc:cxnChg>
+        <pc:cxnChg chg="add mod">
+          <ac:chgData name="Sephora Kumeka" userId="b434015ba59474e6" providerId="LiveId" clId="{C213F0FF-57D5-431D-9813-27C9129B6334}" dt="2023-04-26T13:23:56.994" v="1224" actId="1076"/>
+          <ac:cxnSpMkLst>
+            <pc:docMk/>
+            <pc:sldMk cId="2789718086" sldId="267"/>
+            <ac:cxnSpMk id="53" creationId="{574BE2CA-BB20-5FB1-21C5-83F134261DBB}"/>
+          </ac:cxnSpMkLst>
+        </pc:cxnChg>
+        <pc:cxnChg chg="add mod">
+          <ac:chgData name="Sephora Kumeka" userId="b434015ba59474e6" providerId="LiveId" clId="{C213F0FF-57D5-431D-9813-27C9129B6334}" dt="2023-04-26T13:23:56.994" v="1224" actId="1076"/>
+          <ac:cxnSpMkLst>
+            <pc:docMk/>
+            <pc:sldMk cId="2789718086" sldId="267"/>
+            <ac:cxnSpMk id="55" creationId="{C1236C86-A036-051B-C159-D2E3AAD8D7D0}"/>
+          </ac:cxnSpMkLst>
+        </pc:cxnChg>
+        <pc:cxnChg chg="add mod">
+          <ac:chgData name="Sephora Kumeka" userId="b434015ba59474e6" providerId="LiveId" clId="{C213F0FF-57D5-431D-9813-27C9129B6334}" dt="2023-04-26T13:23:56.994" v="1224" actId="1076"/>
+          <ac:cxnSpMkLst>
+            <pc:docMk/>
+            <pc:sldMk cId="2789718086" sldId="267"/>
+            <ac:cxnSpMk id="57" creationId="{862198E1-C0CC-C328-11A2-95034ADEEA69}"/>
+          </ac:cxnSpMkLst>
+        </pc:cxnChg>
+        <pc:cxnChg chg="add mod">
+          <ac:chgData name="Sephora Kumeka" userId="b434015ba59474e6" providerId="LiveId" clId="{C213F0FF-57D5-431D-9813-27C9129B6334}" dt="2023-04-26T13:23:56.994" v="1224" actId="1076"/>
+          <ac:cxnSpMkLst>
+            <pc:docMk/>
+            <pc:sldMk cId="2789718086" sldId="267"/>
+            <ac:cxnSpMk id="61" creationId="{F535845D-F622-2492-683B-EC48E9ECC9B6}"/>
+          </ac:cxnSpMkLst>
+        </pc:cxnChg>
+        <pc:cxnChg chg="add mod">
+          <ac:chgData name="Sephora Kumeka" userId="b434015ba59474e6" providerId="LiveId" clId="{C213F0FF-57D5-431D-9813-27C9129B6334}" dt="2023-04-26T14:35:49.111" v="1541" actId="1076"/>
+          <ac:cxnSpMkLst>
+            <pc:docMk/>
+            <pc:sldMk cId="2789718086" sldId="267"/>
+            <ac:cxnSpMk id="81" creationId="{CB6FC0FC-4D68-73EA-0C81-B39AB6D7DF3C}"/>
+          </ac:cxnSpMkLst>
+        </pc:cxnChg>
+        <pc:cxnChg chg="add mod">
+          <ac:chgData name="Sephora Kumeka" userId="b434015ba59474e6" providerId="LiveId" clId="{C213F0FF-57D5-431D-9813-27C9129B6334}" dt="2023-04-26T14:35:45.519" v="1540" actId="1076"/>
+          <ac:cxnSpMkLst>
+            <pc:docMk/>
+            <pc:sldMk cId="2789718086" sldId="267"/>
+            <ac:cxnSpMk id="83" creationId="{978816AC-E2CE-CF3C-E860-CE89EFA67A28}"/>
+          </ac:cxnSpMkLst>
+        </pc:cxnChg>
+      </pc:sldChg>
+      <pc:sldChg chg="new">
+        <pc:chgData name="Sephora Kumeka" userId="b434015ba59474e6" providerId="LiveId" clId="{C213F0FF-57D5-431D-9813-27C9129B6334}" dt="2023-04-26T10:33:21.706" v="987" actId="680"/>
+        <pc:sldMkLst>
+          <pc:docMk/>
+          <pc:sldMk cId="1594913592" sldId="268"/>
+        </pc:sldMkLst>
+      </pc:sldChg>
+      <pc:sldChg chg="new">
+        <pc:chgData name="Sephora Kumeka" userId="b434015ba59474e6" providerId="LiveId" clId="{C213F0FF-57D5-431D-9813-27C9129B6334}" dt="2023-04-26T10:33:32.458" v="988" actId="680"/>
+        <pc:sldMkLst>
+          <pc:docMk/>
+          <pc:sldMk cId="1183620316" sldId="269"/>
+        </pc:sldMkLst>
+      </pc:sldChg>
+      <pc:sldChg chg="new ord">
+        <pc:chgData name="Sephora Kumeka" userId="b434015ba59474e6" providerId="LiveId" clId="{C213F0FF-57D5-431D-9813-27C9129B6334}" dt="2023-04-26T10:33:46.397" v="991"/>
+        <pc:sldMkLst>
+          <pc:docMk/>
+          <pc:sldMk cId="2440663459" sldId="270"/>
+        </pc:sldMkLst>
+      </pc:sldChg>
+      <pc:sldChg chg="addSp delSp modSp new mod ord">
+        <pc:chgData name="Sephora Kumeka" userId="b434015ba59474e6" providerId="LiveId" clId="{C213F0FF-57D5-431D-9813-27C9129B6334}" dt="2023-04-26T14:53:30.361" v="1574" actId="22"/>
+        <pc:sldMkLst>
+          <pc:docMk/>
+          <pc:sldMk cId="3587249662" sldId="271"/>
+        </pc:sldMkLst>
+        <pc:spChg chg="add del">
+          <ac:chgData name="Sephora Kumeka" userId="b434015ba59474e6" providerId="LiveId" clId="{C213F0FF-57D5-431D-9813-27C9129B6334}" dt="2023-04-26T14:53:30.361" v="1574" actId="22"/>
+          <ac:spMkLst>
+            <pc:docMk/>
+            <pc:sldMk cId="3587249662" sldId="271"/>
+            <ac:spMk id="3" creationId="{C57DF7ED-DF8E-1AD5-3C05-337995BCB267}"/>
+          </ac:spMkLst>
+        </pc:spChg>
+        <pc:graphicFrameChg chg="add del mod modGraphic">
+          <ac:chgData name="Sephora Kumeka" userId="b434015ba59474e6" providerId="LiveId" clId="{C213F0FF-57D5-431D-9813-27C9129B6334}" dt="2023-04-26T10:41:10.922" v="996" actId="1032"/>
+          <ac:graphicFrameMkLst>
+            <pc:docMk/>
+            <pc:sldMk cId="3587249662" sldId="271"/>
+            <ac:graphicFrameMk id="4" creationId="{5ED30FB4-3053-F8A2-C2D9-655F333FD127}"/>
+          </ac:graphicFrameMkLst>
+        </pc:graphicFrameChg>
+        <pc:picChg chg="add mod ord">
+          <ac:chgData name="Sephora Kumeka" userId="b434015ba59474e6" providerId="LiveId" clId="{C213F0FF-57D5-431D-9813-27C9129B6334}" dt="2023-04-26T14:53:30.361" v="1574" actId="22"/>
+          <ac:picMkLst>
+            <pc:docMk/>
+            <pc:sldMk cId="3587249662" sldId="271"/>
+            <ac:picMk id="5" creationId="{B8090B08-84E8-2680-C629-F81C36B875C8}"/>
+          </ac:picMkLst>
+        </pc:picChg>
+      </pc:sldChg>
+      <pc:sldChg chg="addSp delSp modSp add mod">
+        <pc:chgData name="Sephora Kumeka" userId="b434015ba59474e6" providerId="LiveId" clId="{C213F0FF-57D5-431D-9813-27C9129B6334}" dt="2023-04-26T14:39:51.321" v="1542" actId="1076"/>
+        <pc:sldMkLst>
+          <pc:docMk/>
+          <pc:sldMk cId="2931318129" sldId="272"/>
+        </pc:sldMkLst>
+        <pc:spChg chg="mod">
+          <ac:chgData name="Sephora Kumeka" userId="b434015ba59474e6" providerId="LiveId" clId="{C213F0FF-57D5-431D-9813-27C9129B6334}" dt="2023-04-26T13:26:37.942" v="1235" actId="20577"/>
+          <ac:spMkLst>
+            <pc:docMk/>
+            <pc:sldMk cId="2931318129" sldId="272"/>
+            <ac:spMk id="2" creationId="{5FE38B66-487A-1BA8-0ACD-DAF7409978EC}"/>
+          </ac:spMkLst>
+        </pc:spChg>
+        <pc:spChg chg="del mod">
+          <ac:chgData name="Sephora Kumeka" userId="b434015ba59474e6" providerId="LiveId" clId="{C213F0FF-57D5-431D-9813-27C9129B6334}" dt="2023-04-26T13:59:42.378" v="1287" actId="478"/>
+          <ac:spMkLst>
+            <pc:docMk/>
+            <pc:sldMk cId="2931318129" sldId="272"/>
+            <ac:spMk id="4" creationId="{2BBFB392-17E7-E3D8-52B2-538C1AFB385A}"/>
+          </ac:spMkLst>
+        </pc:spChg>
+        <pc:spChg chg="mod">
+          <ac:chgData name="Sephora Kumeka" userId="b434015ba59474e6" providerId="LiveId" clId="{C213F0FF-57D5-431D-9813-27C9129B6334}" dt="2023-04-26T14:39:51.321" v="1542" actId="1076"/>
+          <ac:spMkLst>
+            <pc:docMk/>
+            <pc:sldMk cId="2931318129" sldId="272"/>
+            <ac:spMk id="6" creationId="{1ABD04F1-1336-A9B8-6F6E-C0B4D134BA66}"/>
+          </ac:spMkLst>
+        </pc:spChg>
+        <pc:spChg chg="mod">
+          <ac:chgData name="Sephora Kumeka" userId="b434015ba59474e6" providerId="LiveId" clId="{C213F0FF-57D5-431D-9813-27C9129B6334}" dt="2023-04-26T14:12:08.102" v="1445" actId="1076"/>
+          <ac:spMkLst>
+            <pc:docMk/>
+            <pc:sldMk cId="2931318129" sldId="272"/>
+            <ac:spMk id="7" creationId="{C0BEFEFC-81B7-78F7-F768-CC12CA6F4998}"/>
+          </ac:spMkLst>
+        </pc:spChg>
+        <pc:spChg chg="del mod">
+          <ac:chgData name="Sephora Kumeka" userId="b434015ba59474e6" providerId="LiveId" clId="{C213F0FF-57D5-431D-9813-27C9129B6334}" dt="2023-04-26T13:59:47.105" v="1291" actId="478"/>
+          <ac:spMkLst>
+            <pc:docMk/>
+            <pc:sldMk cId="2931318129" sldId="272"/>
+            <ac:spMk id="9" creationId="{714F11A2-1720-4EFD-4F5F-3049D8A574FD}"/>
+          </ac:spMkLst>
+        </pc:spChg>
+        <pc:spChg chg="del">
+          <ac:chgData name="Sephora Kumeka" userId="b434015ba59474e6" providerId="LiveId" clId="{C213F0FF-57D5-431D-9813-27C9129B6334}" dt="2023-04-26T13:59:43.728" v="1288" actId="478"/>
+          <ac:spMkLst>
+            <pc:docMk/>
+            <pc:sldMk cId="2931318129" sldId="272"/>
+            <ac:spMk id="10" creationId="{8543F6FE-2A74-4DE3-9F1B-7757C7B6B050}"/>
+          </ac:spMkLst>
+        </pc:spChg>
+        <pc:spChg chg="del">
+          <ac:chgData name="Sephora Kumeka" userId="b434015ba59474e6" providerId="LiveId" clId="{C213F0FF-57D5-431D-9813-27C9129B6334}" dt="2023-04-26T13:59:45.910" v="1290" actId="478"/>
+          <ac:spMkLst>
+            <pc:docMk/>
+            <pc:sldMk cId="2931318129" sldId="272"/>
+            <ac:spMk id="11" creationId="{76E092CA-F693-AF50-0C39-55E37E177ABD}"/>
+          </ac:spMkLst>
+        </pc:spChg>
+        <pc:spChg chg="add mod">
+          <ac:chgData name="Sephora Kumeka" userId="b434015ba59474e6" providerId="LiveId" clId="{C213F0FF-57D5-431D-9813-27C9129B6334}" dt="2023-04-26T14:12:03.598" v="1444" actId="1076"/>
+          <ac:spMkLst>
+            <pc:docMk/>
+            <pc:sldMk cId="2931318129" sldId="272"/>
+            <ac:spMk id="31" creationId="{FEFAFDAE-50A4-6D85-7BAA-05BE1FBE2A0A}"/>
+          </ac:spMkLst>
+        </pc:spChg>
+        <pc:spChg chg="add mod">
+          <ac:chgData name="Sephora Kumeka" userId="b434015ba59474e6" providerId="LiveId" clId="{C213F0FF-57D5-431D-9813-27C9129B6334}" dt="2023-04-26T14:28:32.655" v="1521" actId="14100"/>
+          <ac:spMkLst>
+            <pc:docMk/>
+            <pc:sldMk cId="2931318129" sldId="272"/>
+            <ac:spMk id="33" creationId="{7551CB75-EC03-2327-4EB4-CC84FDFAE2EF}"/>
+          </ac:spMkLst>
+        </pc:spChg>
+        <pc:spChg chg="add del mod">
+          <ac:chgData name="Sephora Kumeka" userId="b434015ba59474e6" providerId="LiveId" clId="{C213F0FF-57D5-431D-9813-27C9129B6334}" dt="2023-04-26T14:09:59.690" v="1418"/>
+          <ac:spMkLst>
+            <pc:docMk/>
+            <pc:sldMk cId="2931318129" sldId="272"/>
+            <ac:spMk id="34" creationId="{F21EEAD5-B702-7F5B-2A94-9B28AE4C9815}"/>
+          </ac:spMkLst>
+        </pc:spChg>
+        <pc:spChg chg="add mod">
+          <ac:chgData name="Sephora Kumeka" userId="b434015ba59474e6" providerId="LiveId" clId="{C213F0FF-57D5-431D-9813-27C9129B6334}" dt="2023-04-26T14:28:22.368" v="1520" actId="14100"/>
+          <ac:spMkLst>
+            <pc:docMk/>
+            <pc:sldMk cId="2931318129" sldId="272"/>
+            <ac:spMk id="35" creationId="{363B6B1B-E078-96F2-C59A-A64758EE250B}"/>
+          </ac:spMkLst>
+        </pc:spChg>
+        <pc:spChg chg="add mod">
+          <ac:chgData name="Sephora Kumeka" userId="b434015ba59474e6" providerId="LiveId" clId="{C213F0FF-57D5-431D-9813-27C9129B6334}" dt="2023-04-26T14:26:14.764" v="1517" actId="1076"/>
+          <ac:spMkLst>
+            <pc:docMk/>
+            <pc:sldMk cId="2931318129" sldId="272"/>
+            <ac:spMk id="67" creationId="{D3307A6E-2B5B-D9DD-FDAD-450A6258A4A0}"/>
+          </ac:spMkLst>
+        </pc:spChg>
+        <pc:spChg chg="add mod">
+          <ac:chgData name="Sephora Kumeka" userId="b434015ba59474e6" providerId="LiveId" clId="{C213F0FF-57D5-431D-9813-27C9129B6334}" dt="2023-04-26T14:28:16.438" v="1519" actId="1076"/>
+          <ac:spMkLst>
+            <pc:docMk/>
+            <pc:sldMk cId="2931318129" sldId="272"/>
+            <ac:spMk id="70" creationId="{62C085BF-A34C-0E8B-8C79-ADF10CD54845}"/>
+          </ac:spMkLst>
+        </pc:spChg>
+        <pc:spChg chg="del mod">
+          <ac:chgData name="Sephora Kumeka" userId="b434015ba59474e6" providerId="LiveId" clId="{C213F0FF-57D5-431D-9813-27C9129B6334}" dt="2023-04-26T14:11:43.570" v="1436" actId="478"/>
+          <ac:spMkLst>
+            <pc:docMk/>
+            <pc:sldMk cId="2931318129" sldId="272"/>
+            <ac:spMk id="75" creationId="{54965F83-998C-8B53-C60C-3E80BC590202}"/>
+          </ac:spMkLst>
+        </pc:spChg>
+        <pc:spChg chg="del mod">
+          <ac:chgData name="Sephora Kumeka" userId="b434015ba59474e6" providerId="LiveId" clId="{C213F0FF-57D5-431D-9813-27C9129B6334}" dt="2023-04-26T14:11:49.710" v="1439" actId="478"/>
+          <ac:spMkLst>
+            <pc:docMk/>
+            <pc:sldMk cId="2931318129" sldId="272"/>
+            <ac:spMk id="78" creationId="{DA306419-FF93-EF32-A011-C249A6C9DEFB}"/>
+          </ac:spMkLst>
+        </pc:spChg>
+        <pc:spChg chg="del mod">
+          <ac:chgData name="Sephora Kumeka" userId="b434015ba59474e6" providerId="LiveId" clId="{C213F0FF-57D5-431D-9813-27C9129B6334}" dt="2023-04-26T14:11:50.929" v="1440" actId="478"/>
+          <ac:spMkLst>
+            <pc:docMk/>
+            <pc:sldMk cId="2931318129" sldId="272"/>
+            <ac:spMk id="79" creationId="{B17A128D-48CE-7322-E386-AC32064736AE}"/>
+          </ac:spMkLst>
+        </pc:spChg>
+        <pc:spChg chg="add mod">
+          <ac:chgData name="Sephora Kumeka" userId="b434015ba59474e6" providerId="LiveId" clId="{C213F0FF-57D5-431D-9813-27C9129B6334}" dt="2023-04-26T14:32:46.449" v="1539" actId="20577"/>
+          <ac:spMkLst>
+            <pc:docMk/>
+            <pc:sldMk cId="2931318129" sldId="272"/>
+            <ac:spMk id="86" creationId="{044647AE-CB27-CC49-314F-711BAE04D70D}"/>
+          </ac:spMkLst>
+        </pc:spChg>
+        <pc:cxnChg chg="del mod">
+          <ac:chgData name="Sephora Kumeka" userId="b434015ba59474e6" providerId="LiveId" clId="{C213F0FF-57D5-431D-9813-27C9129B6334}" dt="2023-04-26T14:06:32.331" v="1356" actId="478"/>
+          <ac:cxnSpMkLst>
+            <pc:docMk/>
+            <pc:sldMk cId="2931318129" sldId="272"/>
+            <ac:cxnSpMk id="25" creationId="{60CD6421-B7EB-3410-91CD-CCDF2551AFEF}"/>
+          </ac:cxnSpMkLst>
+        </pc:cxnChg>
+        <pc:cxnChg chg="add mod">
+          <ac:chgData name="Sephora Kumeka" userId="b434015ba59474e6" providerId="LiveId" clId="{C213F0FF-57D5-431D-9813-27C9129B6334}" dt="2023-04-26T14:28:22.368" v="1520" actId="14100"/>
+          <ac:cxnSpMkLst>
+            <pc:docMk/>
+            <pc:sldMk cId="2931318129" sldId="272"/>
+            <ac:cxnSpMk id="41" creationId="{130FE005-77BB-B806-BE5C-C64BDC690106}"/>
+          </ac:cxnSpMkLst>
+        </pc:cxnChg>
+        <pc:cxnChg chg="add mod">
+          <ac:chgData name="Sephora Kumeka" userId="b434015ba59474e6" providerId="LiveId" clId="{C213F0FF-57D5-431D-9813-27C9129B6334}" dt="2023-04-26T14:28:32.655" v="1521" actId="14100"/>
+          <ac:cxnSpMkLst>
+            <pc:docMk/>
+            <pc:sldMk cId="2931318129" sldId="272"/>
+            <ac:cxnSpMk id="44" creationId="{ABC3207A-135D-27E0-88DD-91FF217A48DF}"/>
+          </ac:cxnSpMkLst>
+        </pc:cxnChg>
+        <pc:cxnChg chg="mod">
+          <ac:chgData name="Sephora Kumeka" userId="b434015ba59474e6" providerId="LiveId" clId="{C213F0FF-57D5-431D-9813-27C9129B6334}" dt="2023-04-26T14:39:51.321" v="1542" actId="1076"/>
+          <ac:cxnSpMkLst>
+            <pc:docMk/>
+            <pc:sldMk cId="2931318129" sldId="272"/>
+            <ac:cxnSpMk id="51" creationId="{9C149732-E703-9351-1081-E8A8017EFBE4}"/>
+          </ac:cxnSpMkLst>
+        </pc:cxnChg>
+        <pc:cxnChg chg="del mod">
+          <ac:chgData name="Sephora Kumeka" userId="b434015ba59474e6" providerId="LiveId" clId="{C213F0FF-57D5-431D-9813-27C9129B6334}" dt="2023-04-26T13:59:48.428" v="1292" actId="478"/>
+          <ac:cxnSpMkLst>
+            <pc:docMk/>
+            <pc:sldMk cId="2931318129" sldId="272"/>
+            <ac:cxnSpMk id="53" creationId="{574BE2CA-BB20-5FB1-21C5-83F134261DBB}"/>
+          </ac:cxnSpMkLst>
+        </pc:cxnChg>
+        <pc:cxnChg chg="del mod">
+          <ac:chgData name="Sephora Kumeka" userId="b434015ba59474e6" providerId="LiveId" clId="{C213F0FF-57D5-431D-9813-27C9129B6334}" dt="2023-04-26T13:59:49.630" v="1293" actId="478"/>
+          <ac:cxnSpMkLst>
+            <pc:docMk/>
+            <pc:sldMk cId="2931318129" sldId="272"/>
+            <ac:cxnSpMk id="55" creationId="{C1236C86-A036-051B-C159-D2E3AAD8D7D0}"/>
+          </ac:cxnSpMkLst>
+        </pc:cxnChg>
+        <pc:cxnChg chg="del mod">
+          <ac:chgData name="Sephora Kumeka" userId="b434015ba59474e6" providerId="LiveId" clId="{C213F0FF-57D5-431D-9813-27C9129B6334}" dt="2023-04-26T13:59:44.858" v="1289" actId="478"/>
+          <ac:cxnSpMkLst>
+            <pc:docMk/>
+            <pc:sldMk cId="2931318129" sldId="272"/>
+            <ac:cxnSpMk id="57" creationId="{862198E1-C0CC-C328-11A2-95034ADEEA69}"/>
+          </ac:cxnSpMkLst>
+        </pc:cxnChg>
+        <pc:cxnChg chg="mod">
+          <ac:chgData name="Sephora Kumeka" userId="b434015ba59474e6" providerId="LiveId" clId="{C213F0FF-57D5-431D-9813-27C9129B6334}" dt="2023-04-26T14:39:51.321" v="1542" actId="1076"/>
+          <ac:cxnSpMkLst>
+            <pc:docMk/>
+            <pc:sldMk cId="2931318129" sldId="272"/>
+            <ac:cxnSpMk id="61" creationId="{F535845D-F622-2492-683B-EC48E9ECC9B6}"/>
+          </ac:cxnSpMkLst>
+        </pc:cxnChg>
+        <pc:cxnChg chg="add del mod">
+          <ac:chgData name="Sephora Kumeka" userId="b434015ba59474e6" providerId="LiveId" clId="{C213F0FF-57D5-431D-9813-27C9129B6334}" dt="2023-04-26T14:12:17.998" v="1448" actId="11529"/>
+          <ac:cxnSpMkLst>
+            <pc:docMk/>
+            <pc:sldMk cId="2931318129" sldId="272"/>
+            <ac:cxnSpMk id="63" creationId="{72ABBF50-F87C-A14A-C517-6DA21AF7A985}"/>
+          </ac:cxnSpMkLst>
+        </pc:cxnChg>
+        <pc:cxnChg chg="add mod">
+          <ac:chgData name="Sephora Kumeka" userId="b434015ba59474e6" providerId="LiveId" clId="{C213F0FF-57D5-431D-9813-27C9129B6334}" dt="2023-04-26T14:39:51.321" v="1542" actId="1076"/>
+          <ac:cxnSpMkLst>
+            <pc:docMk/>
+            <pc:sldMk cId="2931318129" sldId="272"/>
+            <ac:cxnSpMk id="64" creationId="{567101DA-8F90-5904-811E-3A4208BB39A1}"/>
+          </ac:cxnSpMkLst>
+        </pc:cxnChg>
+        <pc:cxnChg chg="add mod">
+          <ac:chgData name="Sephora Kumeka" userId="b434015ba59474e6" providerId="LiveId" clId="{C213F0FF-57D5-431D-9813-27C9129B6334}" dt="2023-04-26T14:28:16.438" v="1519" actId="1076"/>
+          <ac:cxnSpMkLst>
+            <pc:docMk/>
+            <pc:sldMk cId="2931318129" sldId="272"/>
+            <ac:cxnSpMk id="71" creationId="{E7CA5C84-98FF-6618-B8E0-B55C55068C24}"/>
+          </ac:cxnSpMkLst>
+        </pc:cxnChg>
+        <pc:cxnChg chg="del mod">
+          <ac:chgData name="Sephora Kumeka" userId="b434015ba59474e6" providerId="LiveId" clId="{C213F0FF-57D5-431D-9813-27C9129B6334}" dt="2023-04-26T14:11:51.773" v="1441" actId="478"/>
+          <ac:cxnSpMkLst>
+            <pc:docMk/>
+            <pc:sldMk cId="2931318129" sldId="272"/>
+            <ac:cxnSpMk id="81" creationId="{CB6FC0FC-4D68-73EA-0C81-B39AB6D7DF3C}"/>
+          </ac:cxnSpMkLst>
+        </pc:cxnChg>
+        <pc:cxnChg chg="del mod">
+          <ac:chgData name="Sephora Kumeka" userId="b434015ba59474e6" providerId="LiveId" clId="{C213F0FF-57D5-431D-9813-27C9129B6334}" dt="2023-04-26T14:11:44.671" v="1437" actId="478"/>
+          <ac:cxnSpMkLst>
+            <pc:docMk/>
+            <pc:sldMk cId="2931318129" sldId="272"/>
+            <ac:cxnSpMk id="83" creationId="{978816AC-E2CE-CF3C-E860-CE89EFA67A28}"/>
+          </ac:cxnSpMkLst>
+        </pc:cxnChg>
+      </pc:sldChg>
+      <pc:sldChg chg="del">
+        <pc:chgData name="Sephora Kumeka" userId="b434015ba59474e6" providerId="LiveId" clId="{C213F0FF-57D5-431D-9813-27C9129B6334}" dt="2023-04-26T13:26:22.573" v="1225"/>
+        <pc:sldMkLst>
+          <pc:docMk/>
+          <pc:sldMk cId="3512681071" sldId="272"/>
+        </pc:sldMkLst>
+      </pc:sldChg>
+      <pc:sldChg chg="modSp new mod">
+        <pc:chgData name="Sephora Kumeka" userId="b434015ba59474e6" providerId="LiveId" clId="{C213F0FF-57D5-431D-9813-27C9129B6334}" dt="2023-04-26T14:50:46.787" v="1567" actId="122"/>
+        <pc:sldMkLst>
+          <pc:docMk/>
+          <pc:sldMk cId="3780330398" sldId="273"/>
+        </pc:sldMkLst>
+        <pc:spChg chg="mod">
+          <ac:chgData name="Sephora Kumeka" userId="b434015ba59474e6" providerId="LiveId" clId="{C213F0FF-57D5-431D-9813-27C9129B6334}" dt="2023-04-26T14:50:46.787" v="1567" actId="122"/>
+          <ac:spMkLst>
+            <pc:docMk/>
+            <pc:sldMk cId="3780330398" sldId="273"/>
+            <ac:spMk id="2" creationId="{62794BC7-976D-04BF-AA59-065354B6AB49}"/>
+          </ac:spMkLst>
+        </pc:spChg>
+      </pc:sldChg>
+      <pc:sldChg chg="new ord">
+        <pc:chgData name="Sephora Kumeka" userId="b434015ba59474e6" providerId="LiveId" clId="{C213F0FF-57D5-431D-9813-27C9129B6334}" dt="2023-04-26T14:51:31.552" v="1571"/>
+        <pc:sldMkLst>
+          <pc:docMk/>
+          <pc:sldMk cId="2091610563" sldId="274"/>
+        </pc:sldMkLst>
+      </pc:sldChg>
+      <pc:sldChg chg="modSp new mod">
+        <pc:chgData name="Sephora Kumeka" userId="b434015ba59474e6" providerId="LiveId" clId="{C213F0FF-57D5-431D-9813-27C9129B6334}" dt="2023-04-26T14:54:11.042" v="1583" actId="122"/>
+        <pc:sldMkLst>
+          <pc:docMk/>
+          <pc:sldMk cId="2682274954" sldId="275"/>
+        </pc:sldMkLst>
+        <pc:spChg chg="mod">
+          <ac:chgData name="Sephora Kumeka" userId="b434015ba59474e6" providerId="LiveId" clId="{C213F0FF-57D5-431D-9813-27C9129B6334}" dt="2023-04-26T14:54:11.042" v="1583" actId="122"/>
+          <ac:spMkLst>
+            <pc:docMk/>
+            <pc:sldMk cId="2682274954" sldId="275"/>
+            <ac:spMk id="2" creationId="{0E2D0971-81F2-90DC-4C99-7EC8F9B9343C}"/>
+          </ac:spMkLst>
+        </pc:spChg>
+      </pc:sldChg>
+    </pc:docChg>
+  </pc:docChgLst>
   <pc:docChgLst>
     <pc:chgData name="Seph" userId="b434015ba59474e6" providerId="LiveId" clId="{C213F0FF-57D5-431D-9813-27C9129B6334}"/>
     <pc:docChg chg="undo custSel addSld delSld modSld sldOrd addSection modSection">
@@ -485,7 +1197,7 @@
           <a:p>
             <a:fld id="{45F988EA-B662-4AB2-ADD1-E26D04A22226}" type="datetimeFigureOut">
               <a:rPr lang="fr-FR" smtClean="0"/>
-              <a:t>24/04/2023</a:t>
+              <a:t>26/04/2023</a:t>
             </a:fld>
             <a:endParaRPr lang="fr-FR"/>
           </a:p>
@@ -683,7 +1395,7 @@
           <a:p>
             <a:fld id="{45F988EA-B662-4AB2-ADD1-E26D04A22226}" type="datetimeFigureOut">
               <a:rPr lang="fr-FR" smtClean="0"/>
-              <a:t>24/04/2023</a:t>
+              <a:t>26/04/2023</a:t>
             </a:fld>
             <a:endParaRPr lang="fr-FR"/>
           </a:p>
@@ -891,7 +1603,7 @@
           <a:p>
             <a:fld id="{45F988EA-B662-4AB2-ADD1-E26D04A22226}" type="datetimeFigureOut">
               <a:rPr lang="fr-FR" smtClean="0"/>
-              <a:t>24/04/2023</a:t>
+              <a:t>26/04/2023</a:t>
             </a:fld>
             <a:endParaRPr lang="fr-FR"/>
           </a:p>
@@ -1089,7 +1801,7 @@
           <a:p>
             <a:fld id="{45F988EA-B662-4AB2-ADD1-E26D04A22226}" type="datetimeFigureOut">
               <a:rPr lang="fr-FR" smtClean="0"/>
-              <a:t>24/04/2023</a:t>
+              <a:t>26/04/2023</a:t>
             </a:fld>
             <a:endParaRPr lang="fr-FR"/>
           </a:p>
@@ -1364,7 +2076,7 @@
           <a:p>
             <a:fld id="{45F988EA-B662-4AB2-ADD1-E26D04A22226}" type="datetimeFigureOut">
               <a:rPr lang="fr-FR" smtClean="0"/>
-              <a:t>24/04/2023</a:t>
+              <a:t>26/04/2023</a:t>
             </a:fld>
             <a:endParaRPr lang="fr-FR"/>
           </a:p>
@@ -1629,7 +2341,7 @@
           <a:p>
             <a:fld id="{45F988EA-B662-4AB2-ADD1-E26D04A22226}" type="datetimeFigureOut">
               <a:rPr lang="fr-FR" smtClean="0"/>
-              <a:t>24/04/2023</a:t>
+              <a:t>26/04/2023</a:t>
             </a:fld>
             <a:endParaRPr lang="fr-FR"/>
           </a:p>
@@ -2041,7 +2753,7 @@
           <a:p>
             <a:fld id="{45F988EA-B662-4AB2-ADD1-E26D04A22226}" type="datetimeFigureOut">
               <a:rPr lang="fr-FR" smtClean="0"/>
-              <a:t>24/04/2023</a:t>
+              <a:t>26/04/2023</a:t>
             </a:fld>
             <a:endParaRPr lang="fr-FR"/>
           </a:p>
@@ -2182,7 +2894,7 @@
           <a:p>
             <a:fld id="{45F988EA-B662-4AB2-ADD1-E26D04A22226}" type="datetimeFigureOut">
               <a:rPr lang="fr-FR" smtClean="0"/>
-              <a:t>24/04/2023</a:t>
+              <a:t>26/04/2023</a:t>
             </a:fld>
             <a:endParaRPr lang="fr-FR"/>
           </a:p>
@@ -2295,7 +3007,7 @@
           <a:p>
             <a:fld id="{45F988EA-B662-4AB2-ADD1-E26D04A22226}" type="datetimeFigureOut">
               <a:rPr lang="fr-FR" smtClean="0"/>
-              <a:t>24/04/2023</a:t>
+              <a:t>26/04/2023</a:t>
             </a:fld>
             <a:endParaRPr lang="fr-FR"/>
           </a:p>
@@ -2606,7 +3318,7 @@
           <a:p>
             <a:fld id="{45F988EA-B662-4AB2-ADD1-E26D04A22226}" type="datetimeFigureOut">
               <a:rPr lang="fr-FR" smtClean="0"/>
-              <a:t>24/04/2023</a:t>
+              <a:t>26/04/2023</a:t>
             </a:fld>
             <a:endParaRPr lang="fr-FR"/>
           </a:p>
@@ -2894,7 +3606,7 @@
           <a:p>
             <a:fld id="{45F988EA-B662-4AB2-ADD1-E26D04A22226}" type="datetimeFigureOut">
               <a:rPr lang="fr-FR" smtClean="0"/>
-              <a:t>24/04/2023</a:t>
+              <a:t>26/04/2023</a:t>
             </a:fld>
             <a:endParaRPr lang="fr-FR"/>
           </a:p>
@@ -3135,7 +3847,7 @@
           <a:p>
             <a:fld id="{45F988EA-B662-4AB2-ADD1-E26D04A22226}" type="datetimeFigureOut">
               <a:rPr lang="fr-FR" smtClean="0"/>
-              <a:t>24/04/2023</a:t>
+              <a:t>26/04/2023</a:t>
             </a:fld>
             <a:endParaRPr lang="fr-FR"/>
           </a:p>
@@ -3677,6 +4389,2383 @@
 </p:sld>
 </file>
 
+<file path=ppt/slides/slide10.xml><?xml version="1.0" encoding="utf-8"?>
+<p:sld xmlns:a="http://schemas.openxmlformats.org/drawingml/2006/main" xmlns:r="http://schemas.openxmlformats.org/officeDocument/2006/relationships" xmlns:p="http://schemas.openxmlformats.org/presentationml/2006/main">
+  <p:cSld>
+    <p:spTree>
+      <p:nvGrpSpPr>
+        <p:cNvPr id="1" name=""/>
+        <p:cNvGrpSpPr/>
+        <p:nvPr/>
+      </p:nvGrpSpPr>
+      <p:grpSpPr>
+        <a:xfrm>
+          <a:off x="0" y="0"/>
+          <a:ext cx="0" cy="0"/>
+          <a:chOff x="0" y="0"/>
+          <a:chExt cx="0" cy="0"/>
+        </a:xfrm>
+      </p:grpSpPr>
+      <p:sp>
+        <p:nvSpPr>
+          <p:cNvPr id="2" name="Titre 1">
+            <a:extLst>
+              <a:ext uri="{FF2B5EF4-FFF2-40B4-BE49-F238E27FC236}">
+                <a16:creationId xmlns:a16="http://schemas.microsoft.com/office/drawing/2014/main" id="{BA47A622-D506-7DE9-FD54-FD01D145B7E4}"/>
+              </a:ext>
+            </a:extLst>
+          </p:cNvPr>
+          <p:cNvSpPr>
+            <a:spLocks noGrp="1"/>
+          </p:cNvSpPr>
+          <p:nvPr>
+            <p:ph type="title"/>
+          </p:nvPr>
+        </p:nvSpPr>
+        <p:spPr/>
+        <p:txBody>
+          <a:bodyPr/>
+          <a:lstStyle/>
+          <a:p>
+            <a:endParaRPr lang="fr-FR"/>
+          </a:p>
+        </p:txBody>
+      </p:sp>
+      <p:sp>
+        <p:nvSpPr>
+          <p:cNvPr id="3" name="Espace réservé du contenu 2">
+            <a:extLst>
+              <a:ext uri="{FF2B5EF4-FFF2-40B4-BE49-F238E27FC236}">
+                <a16:creationId xmlns:a16="http://schemas.microsoft.com/office/drawing/2014/main" id="{F23D1ACA-F414-1E44-4688-DF015CD7FA34}"/>
+              </a:ext>
+            </a:extLst>
+          </p:cNvPr>
+          <p:cNvSpPr>
+            <a:spLocks noGrp="1"/>
+          </p:cNvSpPr>
+          <p:nvPr>
+            <p:ph idx="1"/>
+          </p:nvPr>
+        </p:nvSpPr>
+        <p:spPr/>
+        <p:txBody>
+          <a:bodyPr/>
+          <a:lstStyle/>
+          <a:p>
+            <a:endParaRPr lang="fr-FR"/>
+          </a:p>
+        </p:txBody>
+      </p:sp>
+    </p:spTree>
+    <p:extLst>
+      <p:ext uri="{BB962C8B-B14F-4D97-AF65-F5344CB8AC3E}">
+        <p14:creationId xmlns:p14="http://schemas.microsoft.com/office/powerpoint/2010/main" val="2440663459"/>
+      </p:ext>
+    </p:extLst>
+  </p:cSld>
+  <p:clrMapOvr>
+    <a:masterClrMapping/>
+  </p:clrMapOvr>
+</p:sld>
+</file>
+
+<file path=ppt/slides/slide11.xml><?xml version="1.0" encoding="utf-8"?>
+<p:sld xmlns:a="http://schemas.openxmlformats.org/drawingml/2006/main" xmlns:r="http://schemas.openxmlformats.org/officeDocument/2006/relationships" xmlns:p="http://schemas.openxmlformats.org/presentationml/2006/main">
+  <p:cSld>
+    <p:spTree>
+      <p:nvGrpSpPr>
+        <p:cNvPr id="1" name=""/>
+        <p:cNvGrpSpPr/>
+        <p:nvPr/>
+      </p:nvGrpSpPr>
+      <p:grpSpPr>
+        <a:xfrm>
+          <a:off x="0" y="0"/>
+          <a:ext cx="0" cy="0"/>
+          <a:chOff x="0" y="0"/>
+          <a:chExt cx="0" cy="0"/>
+        </a:xfrm>
+      </p:grpSpPr>
+      <p:sp>
+        <p:nvSpPr>
+          <p:cNvPr id="2" name="Titre 1">
+            <a:extLst>
+              <a:ext uri="{FF2B5EF4-FFF2-40B4-BE49-F238E27FC236}">
+                <a16:creationId xmlns:a16="http://schemas.microsoft.com/office/drawing/2014/main" id="{02327891-C8A1-3041-EF04-1B559AC81D48}"/>
+              </a:ext>
+            </a:extLst>
+          </p:cNvPr>
+          <p:cNvSpPr>
+            <a:spLocks noGrp="1"/>
+          </p:cNvSpPr>
+          <p:nvPr>
+            <p:ph type="title"/>
+          </p:nvPr>
+        </p:nvSpPr>
+        <p:spPr/>
+        <p:txBody>
+          <a:bodyPr/>
+          <a:lstStyle/>
+          <a:p>
+            <a:pPr algn="ctr"/>
+            <a:r>
+              <a:rPr lang="fr-FR" dirty="0"/>
+              <a:t>Organisation</a:t>
+            </a:r>
+          </a:p>
+        </p:txBody>
+      </p:sp>
+      <p:sp>
+        <p:nvSpPr>
+          <p:cNvPr id="3" name="Espace réservé du contenu 2">
+            <a:extLst>
+              <a:ext uri="{FF2B5EF4-FFF2-40B4-BE49-F238E27FC236}">
+                <a16:creationId xmlns:a16="http://schemas.microsoft.com/office/drawing/2014/main" id="{3357FF9D-FEA6-8F8C-222A-9D9ACCD85409}"/>
+              </a:ext>
+            </a:extLst>
+          </p:cNvPr>
+          <p:cNvSpPr>
+            <a:spLocks noGrp="1"/>
+          </p:cNvSpPr>
+          <p:nvPr>
+            <p:ph idx="1"/>
+          </p:nvPr>
+        </p:nvSpPr>
+        <p:spPr/>
+        <p:txBody>
+          <a:bodyPr/>
+          <a:lstStyle/>
+          <a:p>
+            <a:r>
+              <a:rPr lang="fr-FR" dirty="0"/>
+              <a:t>Léo :</a:t>
+            </a:r>
+          </a:p>
+          <a:p>
+            <a:r>
+              <a:rPr lang="fr-FR" dirty="0"/>
+              <a:t>Jeanne :</a:t>
+            </a:r>
+          </a:p>
+          <a:p>
+            <a:r>
+              <a:rPr lang="fr-FR" dirty="0"/>
+              <a:t>Richard :</a:t>
+            </a:r>
+          </a:p>
+          <a:p>
+            <a:r>
+              <a:rPr lang="fr-FR" dirty="0" err="1"/>
+              <a:t>Mohameden</a:t>
+            </a:r>
+            <a:r>
+              <a:rPr lang="fr-FR" dirty="0"/>
+              <a:t> :</a:t>
+            </a:r>
+          </a:p>
+        </p:txBody>
+      </p:sp>
+    </p:spTree>
+    <p:extLst>
+      <p:ext uri="{BB962C8B-B14F-4D97-AF65-F5344CB8AC3E}">
+        <p14:creationId xmlns:p14="http://schemas.microsoft.com/office/powerpoint/2010/main" val="2940658040"/>
+      </p:ext>
+    </p:extLst>
+  </p:cSld>
+  <p:clrMapOvr>
+    <a:masterClrMapping/>
+  </p:clrMapOvr>
+</p:sld>
+</file>
+
+<file path=ppt/slides/slide12.xml><?xml version="1.0" encoding="utf-8"?>
+<p:sld xmlns:a="http://schemas.openxmlformats.org/drawingml/2006/main" xmlns:r="http://schemas.openxmlformats.org/officeDocument/2006/relationships" xmlns:p="http://schemas.openxmlformats.org/presentationml/2006/main">
+  <p:cSld>
+    <p:spTree>
+      <p:nvGrpSpPr>
+        <p:cNvPr id="1" name=""/>
+        <p:cNvGrpSpPr/>
+        <p:nvPr/>
+      </p:nvGrpSpPr>
+      <p:grpSpPr>
+        <a:xfrm>
+          <a:off x="0" y="0"/>
+          <a:ext cx="0" cy="0"/>
+          <a:chOff x="0" y="0"/>
+          <a:chExt cx="0" cy="0"/>
+        </a:xfrm>
+      </p:grpSpPr>
+      <p:sp>
+        <p:nvSpPr>
+          <p:cNvPr id="2" name="Titre 1">
+            <a:extLst>
+              <a:ext uri="{FF2B5EF4-FFF2-40B4-BE49-F238E27FC236}">
+                <a16:creationId xmlns:a16="http://schemas.microsoft.com/office/drawing/2014/main" id="{F38CD41D-999E-015D-9972-8B42CDD971FE}"/>
+              </a:ext>
+            </a:extLst>
+          </p:cNvPr>
+          <p:cNvSpPr>
+            <a:spLocks noGrp="1"/>
+          </p:cNvSpPr>
+          <p:nvPr>
+            <p:ph type="title"/>
+          </p:nvPr>
+        </p:nvSpPr>
+        <p:spPr/>
+        <p:txBody>
+          <a:bodyPr/>
+          <a:lstStyle/>
+          <a:p>
+            <a:pPr algn="ctr"/>
+            <a:r>
+              <a:rPr lang="fr-FR" dirty="0"/>
+              <a:t>Implémentation des entités</a:t>
+            </a:r>
+          </a:p>
+        </p:txBody>
+      </p:sp>
+      <p:sp>
+        <p:nvSpPr>
+          <p:cNvPr id="3" name="Espace réservé du contenu 2">
+            <a:extLst>
+              <a:ext uri="{FF2B5EF4-FFF2-40B4-BE49-F238E27FC236}">
+                <a16:creationId xmlns:a16="http://schemas.microsoft.com/office/drawing/2014/main" id="{FCE61D96-1380-8DA3-4735-A5B7F2C8BEB1}"/>
+              </a:ext>
+            </a:extLst>
+          </p:cNvPr>
+          <p:cNvSpPr>
+            <a:spLocks noGrp="1"/>
+          </p:cNvSpPr>
+          <p:nvPr>
+            <p:ph idx="1"/>
+          </p:nvPr>
+        </p:nvSpPr>
+        <p:spPr/>
+        <p:txBody>
+          <a:bodyPr/>
+          <a:lstStyle/>
+          <a:p>
+            <a:endParaRPr lang="fr-FR" dirty="0"/>
+          </a:p>
+        </p:txBody>
+      </p:sp>
+    </p:spTree>
+    <p:extLst>
+      <p:ext uri="{BB962C8B-B14F-4D97-AF65-F5344CB8AC3E}">
+        <p14:creationId xmlns:p14="http://schemas.microsoft.com/office/powerpoint/2010/main" val="4103804385"/>
+      </p:ext>
+    </p:extLst>
+  </p:cSld>
+  <p:clrMapOvr>
+    <a:masterClrMapping/>
+  </p:clrMapOvr>
+</p:sld>
+</file>
+
+<file path=ppt/slides/slide13.xml><?xml version="1.0" encoding="utf-8"?>
+<p:sld xmlns:a="http://schemas.openxmlformats.org/drawingml/2006/main" xmlns:r="http://schemas.openxmlformats.org/officeDocument/2006/relationships" xmlns:p="http://schemas.openxmlformats.org/presentationml/2006/main">
+  <p:cSld>
+    <p:spTree>
+      <p:nvGrpSpPr>
+        <p:cNvPr id="1" name=""/>
+        <p:cNvGrpSpPr/>
+        <p:nvPr/>
+      </p:nvGrpSpPr>
+      <p:grpSpPr>
+        <a:xfrm>
+          <a:off x="0" y="0"/>
+          <a:ext cx="0" cy="0"/>
+          <a:chOff x="0" y="0"/>
+          <a:chExt cx="0" cy="0"/>
+        </a:xfrm>
+      </p:grpSpPr>
+      <p:sp>
+        <p:nvSpPr>
+          <p:cNvPr id="2" name="Titre 1">
+            <a:extLst>
+              <a:ext uri="{FF2B5EF4-FFF2-40B4-BE49-F238E27FC236}">
+                <a16:creationId xmlns:a16="http://schemas.microsoft.com/office/drawing/2014/main" id="{5FE38B66-487A-1BA8-0ACD-DAF7409978EC}"/>
+              </a:ext>
+            </a:extLst>
+          </p:cNvPr>
+          <p:cNvSpPr>
+            <a:spLocks noGrp="1"/>
+          </p:cNvSpPr>
+          <p:nvPr>
+            <p:ph type="title"/>
+          </p:nvPr>
+        </p:nvSpPr>
+        <p:spPr/>
+        <p:txBody>
+          <a:bodyPr/>
+          <a:lstStyle/>
+          <a:p>
+            <a:pPr algn="ctr"/>
+            <a:r>
+              <a:rPr lang="fr-FR" dirty="0"/>
+              <a:t>Road </a:t>
+            </a:r>
+            <a:r>
+              <a:rPr lang="fr-FR" dirty="0" err="1"/>
+              <a:t>Map</a:t>
+            </a:r>
+            <a:r>
+              <a:rPr lang="fr-FR" dirty="0"/>
+              <a:t> Back End</a:t>
+            </a:r>
+          </a:p>
+        </p:txBody>
+      </p:sp>
+      <p:sp>
+        <p:nvSpPr>
+          <p:cNvPr id="4" name="Rectangle 3">
+            <a:extLst>
+              <a:ext uri="{FF2B5EF4-FFF2-40B4-BE49-F238E27FC236}">
+                <a16:creationId xmlns:a16="http://schemas.microsoft.com/office/drawing/2014/main" id="{2BBFB392-17E7-E3D8-52B2-538C1AFB385A}"/>
+              </a:ext>
+            </a:extLst>
+          </p:cNvPr>
+          <p:cNvSpPr/>
+          <p:nvPr/>
+        </p:nvSpPr>
+        <p:spPr>
+          <a:xfrm>
+            <a:off x="9486993" y="2211825"/>
+            <a:ext cx="1360713" cy="610508"/>
+          </a:xfrm>
+          <a:prstGeom prst="rect">
+            <a:avLst/>
+          </a:prstGeom>
+        </p:spPr>
+        <p:style>
+          <a:lnRef idx="2">
+            <a:schemeClr val="accent1">
+              <a:shade val="50000"/>
+            </a:schemeClr>
+          </a:lnRef>
+          <a:fillRef idx="1">
+            <a:schemeClr val="accent1"/>
+          </a:fillRef>
+          <a:effectRef idx="0">
+            <a:schemeClr val="accent1"/>
+          </a:effectRef>
+          <a:fontRef idx="minor">
+            <a:schemeClr val="lt1"/>
+          </a:fontRef>
+        </p:style>
+        <p:txBody>
+          <a:bodyPr rtlCol="0" anchor="ctr"/>
+          <a:lstStyle/>
+          <a:p>
+            <a:pPr algn="ctr"/>
+            <a:r>
+              <a:rPr lang="fr-FR" dirty="0"/>
+              <a:t>Services</a:t>
+            </a:r>
+          </a:p>
+        </p:txBody>
+      </p:sp>
+      <p:sp>
+        <p:nvSpPr>
+          <p:cNvPr id="6" name="Rectangle 5">
+            <a:extLst>
+              <a:ext uri="{FF2B5EF4-FFF2-40B4-BE49-F238E27FC236}">
+                <a16:creationId xmlns:a16="http://schemas.microsoft.com/office/drawing/2014/main" id="{1ABD04F1-1336-A9B8-6F6E-C0B4D134BA66}"/>
+              </a:ext>
+            </a:extLst>
+          </p:cNvPr>
+          <p:cNvSpPr/>
+          <p:nvPr/>
+        </p:nvSpPr>
+        <p:spPr>
+          <a:xfrm>
+            <a:off x="958376" y="2337166"/>
+            <a:ext cx="1465942" cy="558347"/>
+          </a:xfrm>
+          <a:prstGeom prst="rect">
+            <a:avLst/>
+          </a:prstGeom>
+        </p:spPr>
+        <p:style>
+          <a:lnRef idx="2">
+            <a:schemeClr val="accent1">
+              <a:shade val="50000"/>
+            </a:schemeClr>
+          </a:lnRef>
+          <a:fillRef idx="1">
+            <a:schemeClr val="accent1"/>
+          </a:fillRef>
+          <a:effectRef idx="0">
+            <a:schemeClr val="accent1"/>
+          </a:effectRef>
+          <a:fontRef idx="minor">
+            <a:schemeClr val="lt1"/>
+          </a:fontRef>
+        </p:style>
+        <p:txBody>
+          <a:bodyPr rtlCol="0" anchor="ctr"/>
+          <a:lstStyle/>
+          <a:p>
+            <a:pPr algn="ctr"/>
+            <a:r>
+              <a:rPr lang="fr-FR" dirty="0"/>
+              <a:t>Entités</a:t>
+            </a:r>
+          </a:p>
+        </p:txBody>
+      </p:sp>
+      <p:sp>
+        <p:nvSpPr>
+          <p:cNvPr id="7" name="Rectangle 6">
+            <a:extLst>
+              <a:ext uri="{FF2B5EF4-FFF2-40B4-BE49-F238E27FC236}">
+                <a16:creationId xmlns:a16="http://schemas.microsoft.com/office/drawing/2014/main" id="{C0BEFEFC-81B7-78F7-F768-CC12CA6F4998}"/>
+              </a:ext>
+            </a:extLst>
+          </p:cNvPr>
+          <p:cNvSpPr/>
+          <p:nvPr/>
+        </p:nvSpPr>
+        <p:spPr>
+          <a:xfrm>
+            <a:off x="2987607" y="3098305"/>
+            <a:ext cx="1465943" cy="558347"/>
+          </a:xfrm>
+          <a:prstGeom prst="rect">
+            <a:avLst/>
+          </a:prstGeom>
+        </p:spPr>
+        <p:style>
+          <a:lnRef idx="2">
+            <a:schemeClr val="accent1">
+              <a:shade val="50000"/>
+            </a:schemeClr>
+          </a:lnRef>
+          <a:fillRef idx="1">
+            <a:schemeClr val="accent1"/>
+          </a:fillRef>
+          <a:effectRef idx="0">
+            <a:schemeClr val="accent1"/>
+          </a:effectRef>
+          <a:fontRef idx="minor">
+            <a:schemeClr val="lt1"/>
+          </a:fontRef>
+        </p:style>
+        <p:txBody>
+          <a:bodyPr rtlCol="0" anchor="ctr"/>
+          <a:lstStyle/>
+          <a:p>
+            <a:pPr algn="ctr"/>
+            <a:r>
+              <a:rPr lang="fr-FR" dirty="0"/>
+              <a:t>Repositories</a:t>
+            </a:r>
+          </a:p>
+        </p:txBody>
+      </p:sp>
+      <p:sp>
+        <p:nvSpPr>
+          <p:cNvPr id="9" name="Rectangle 8">
+            <a:extLst>
+              <a:ext uri="{FF2B5EF4-FFF2-40B4-BE49-F238E27FC236}">
+                <a16:creationId xmlns:a16="http://schemas.microsoft.com/office/drawing/2014/main" id="{714F11A2-1720-4EFD-4F5F-3049D8A574FD}"/>
+              </a:ext>
+            </a:extLst>
+          </p:cNvPr>
+          <p:cNvSpPr/>
+          <p:nvPr/>
+        </p:nvSpPr>
+        <p:spPr>
+          <a:xfrm>
+            <a:off x="2982951" y="1482809"/>
+            <a:ext cx="1465943" cy="618208"/>
+          </a:xfrm>
+          <a:prstGeom prst="rect">
+            <a:avLst/>
+          </a:prstGeom>
+        </p:spPr>
+        <p:style>
+          <a:lnRef idx="2">
+            <a:schemeClr val="accent1">
+              <a:shade val="50000"/>
+            </a:schemeClr>
+          </a:lnRef>
+          <a:fillRef idx="1">
+            <a:schemeClr val="accent1"/>
+          </a:fillRef>
+          <a:effectRef idx="0">
+            <a:schemeClr val="accent1"/>
+          </a:effectRef>
+          <a:fontRef idx="minor">
+            <a:schemeClr val="lt1"/>
+          </a:fontRef>
+        </p:style>
+        <p:txBody>
+          <a:bodyPr rtlCol="0" anchor="ctr"/>
+          <a:lstStyle/>
+          <a:p>
+            <a:pPr algn="ctr"/>
+            <a:r>
+              <a:rPr lang="fr-FR" dirty="0"/>
+              <a:t>Dao</a:t>
+            </a:r>
+          </a:p>
+        </p:txBody>
+      </p:sp>
+      <p:sp>
+        <p:nvSpPr>
+          <p:cNvPr id="10" name="Rectangle 9">
+            <a:extLst>
+              <a:ext uri="{FF2B5EF4-FFF2-40B4-BE49-F238E27FC236}">
+                <a16:creationId xmlns:a16="http://schemas.microsoft.com/office/drawing/2014/main" id="{8543F6FE-2A74-4DE3-9F1B-7757C7B6B050}"/>
+              </a:ext>
+            </a:extLst>
+          </p:cNvPr>
+          <p:cNvSpPr/>
+          <p:nvPr/>
+        </p:nvSpPr>
+        <p:spPr>
+          <a:xfrm>
+            <a:off x="7373232" y="2088326"/>
+            <a:ext cx="1533071" cy="848860"/>
+          </a:xfrm>
+          <a:prstGeom prst="rect">
+            <a:avLst/>
+          </a:prstGeom>
+        </p:spPr>
+        <p:style>
+          <a:lnRef idx="2">
+            <a:schemeClr val="accent1">
+              <a:shade val="50000"/>
+            </a:schemeClr>
+          </a:lnRef>
+          <a:fillRef idx="1">
+            <a:schemeClr val="accent1"/>
+          </a:fillRef>
+          <a:effectRef idx="0">
+            <a:schemeClr val="accent1"/>
+          </a:effectRef>
+          <a:fontRef idx="minor">
+            <a:schemeClr val="lt1"/>
+          </a:fontRef>
+        </p:style>
+        <p:txBody>
+          <a:bodyPr rtlCol="0" anchor="ctr"/>
+          <a:lstStyle/>
+          <a:p>
+            <a:pPr algn="ctr"/>
+            <a:r>
+              <a:rPr lang="fr-FR" dirty="0" err="1"/>
+              <a:t>RestController</a:t>
+            </a:r>
+            <a:endParaRPr lang="fr-FR" dirty="0"/>
+          </a:p>
+          <a:p>
+            <a:pPr algn="ctr"/>
+            <a:r>
+              <a:rPr lang="fr-FR" dirty="0"/>
+              <a:t>(</a:t>
+            </a:r>
+            <a:r>
+              <a:rPr lang="fr-FR" dirty="0" err="1"/>
+              <a:t>Json</a:t>
+            </a:r>
+            <a:r>
+              <a:rPr lang="fr-FR" dirty="0"/>
+              <a:t>)</a:t>
+            </a:r>
+          </a:p>
+        </p:txBody>
+      </p:sp>
+      <p:sp>
+        <p:nvSpPr>
+          <p:cNvPr id="11" name="Rectangle 10">
+            <a:extLst>
+              <a:ext uri="{FF2B5EF4-FFF2-40B4-BE49-F238E27FC236}">
+                <a16:creationId xmlns:a16="http://schemas.microsoft.com/office/drawing/2014/main" id="{76E092CA-F693-AF50-0C39-55E37E177ABD}"/>
+              </a:ext>
+            </a:extLst>
+          </p:cNvPr>
+          <p:cNvSpPr/>
+          <p:nvPr/>
+        </p:nvSpPr>
+        <p:spPr>
+          <a:xfrm>
+            <a:off x="5202451" y="2204126"/>
+            <a:ext cx="1533070" cy="618207"/>
+          </a:xfrm>
+          <a:prstGeom prst="rect">
+            <a:avLst/>
+          </a:prstGeom>
+        </p:spPr>
+        <p:style>
+          <a:lnRef idx="2">
+            <a:schemeClr val="accent1">
+              <a:shade val="50000"/>
+            </a:schemeClr>
+          </a:lnRef>
+          <a:fillRef idx="1">
+            <a:schemeClr val="accent1"/>
+          </a:fillRef>
+          <a:effectRef idx="0">
+            <a:schemeClr val="accent1"/>
+          </a:effectRef>
+          <a:fontRef idx="minor">
+            <a:schemeClr val="lt1"/>
+          </a:fontRef>
+        </p:style>
+        <p:txBody>
+          <a:bodyPr rtlCol="0" anchor="ctr"/>
+          <a:lstStyle/>
+          <a:p>
+            <a:pPr algn="ctr"/>
+            <a:r>
+              <a:rPr lang="fr-FR" dirty="0"/>
+              <a:t>Services</a:t>
+            </a:r>
+          </a:p>
+        </p:txBody>
+      </p:sp>
+      <p:cxnSp>
+        <p:nvCxnSpPr>
+          <p:cNvPr id="25" name="Connecteur droit avec flèche 24">
+            <a:extLst>
+              <a:ext uri="{FF2B5EF4-FFF2-40B4-BE49-F238E27FC236}">
+                <a16:creationId xmlns:a16="http://schemas.microsoft.com/office/drawing/2014/main" id="{60CD6421-B7EB-3410-91CD-CCDF2551AFEF}"/>
+              </a:ext>
+            </a:extLst>
+          </p:cNvPr>
+          <p:cNvCxnSpPr>
+            <a:cxnSpLocks/>
+            <a:stCxn id="7" idx="3"/>
+            <a:endCxn id="11" idx="1"/>
+          </p:cNvCxnSpPr>
+          <p:nvPr/>
+        </p:nvCxnSpPr>
+        <p:spPr>
+          <a:xfrm flipV="1">
+            <a:off x="4453550" y="2513230"/>
+            <a:ext cx="748901" cy="864249"/>
+          </a:xfrm>
+          <a:prstGeom prst="straightConnector1">
+            <a:avLst/>
+          </a:prstGeom>
+          <a:ln w="28575">
+            <a:headEnd type="none" w="med" len="med"/>
+            <a:tailEnd type="arrow" w="med" len="med"/>
+          </a:ln>
+        </p:spPr>
+        <p:style>
+          <a:lnRef idx="3">
+            <a:schemeClr val="dk1"/>
+          </a:lnRef>
+          <a:fillRef idx="0">
+            <a:schemeClr val="dk1"/>
+          </a:fillRef>
+          <a:effectRef idx="2">
+            <a:schemeClr val="dk1"/>
+          </a:effectRef>
+          <a:fontRef idx="minor">
+            <a:schemeClr val="tx1"/>
+          </a:fontRef>
+        </p:style>
+      </p:cxnSp>
+      <p:cxnSp>
+        <p:nvCxnSpPr>
+          <p:cNvPr id="51" name="Connecteur droit avec flèche 50">
+            <a:extLst>
+              <a:ext uri="{FF2B5EF4-FFF2-40B4-BE49-F238E27FC236}">
+                <a16:creationId xmlns:a16="http://schemas.microsoft.com/office/drawing/2014/main" id="{9C149732-E703-9351-1081-E8A8017EFBE4}"/>
+              </a:ext>
+            </a:extLst>
+          </p:cNvPr>
+          <p:cNvCxnSpPr>
+            <a:cxnSpLocks/>
+            <a:stCxn id="6" idx="3"/>
+            <a:endCxn id="9" idx="1"/>
+          </p:cNvCxnSpPr>
+          <p:nvPr/>
+        </p:nvCxnSpPr>
+        <p:spPr>
+          <a:xfrm flipV="1">
+            <a:off x="2424318" y="1791913"/>
+            <a:ext cx="558633" cy="824427"/>
+          </a:xfrm>
+          <a:prstGeom prst="straightConnector1">
+            <a:avLst/>
+          </a:prstGeom>
+          <a:ln w="28575" cap="flat" cmpd="sng" algn="ctr">
+            <a:solidFill>
+              <a:schemeClr val="dk1"/>
+            </a:solidFill>
+            <a:prstDash val="solid"/>
+            <a:round/>
+            <a:headEnd type="none" w="med" len="med"/>
+            <a:tailEnd type="arrow" w="med" len="med"/>
+          </a:ln>
+        </p:spPr>
+        <p:style>
+          <a:lnRef idx="0">
+            <a:scrgbClr r="0" g="0" b="0"/>
+          </a:lnRef>
+          <a:fillRef idx="0">
+            <a:scrgbClr r="0" g="0" b="0"/>
+          </a:fillRef>
+          <a:effectRef idx="0">
+            <a:scrgbClr r="0" g="0" b="0"/>
+          </a:effectRef>
+          <a:fontRef idx="minor">
+            <a:schemeClr val="tx1"/>
+          </a:fontRef>
+        </p:style>
+      </p:cxnSp>
+      <p:cxnSp>
+        <p:nvCxnSpPr>
+          <p:cNvPr id="53" name="Connecteur droit avec flèche 52">
+            <a:extLst>
+              <a:ext uri="{FF2B5EF4-FFF2-40B4-BE49-F238E27FC236}">
+                <a16:creationId xmlns:a16="http://schemas.microsoft.com/office/drawing/2014/main" id="{574BE2CA-BB20-5FB1-21C5-83F134261DBB}"/>
+              </a:ext>
+            </a:extLst>
+          </p:cNvPr>
+          <p:cNvCxnSpPr>
+            <a:stCxn id="9" idx="3"/>
+            <a:endCxn id="11" idx="1"/>
+          </p:cNvCxnSpPr>
+          <p:nvPr/>
+        </p:nvCxnSpPr>
+        <p:spPr>
+          <a:xfrm>
+            <a:off x="4448894" y="1791913"/>
+            <a:ext cx="753557" cy="721317"/>
+          </a:xfrm>
+          <a:prstGeom prst="straightConnector1">
+            <a:avLst/>
+          </a:prstGeom>
+          <a:ln w="28575">
+            <a:solidFill>
+              <a:schemeClr val="tx1"/>
+            </a:solidFill>
+            <a:tailEnd type="triangle"/>
+          </a:ln>
+        </p:spPr>
+        <p:style>
+          <a:lnRef idx="1">
+            <a:schemeClr val="dk1"/>
+          </a:lnRef>
+          <a:fillRef idx="0">
+            <a:schemeClr val="dk1"/>
+          </a:fillRef>
+          <a:effectRef idx="0">
+            <a:schemeClr val="dk1"/>
+          </a:effectRef>
+          <a:fontRef idx="minor">
+            <a:schemeClr val="tx1"/>
+          </a:fontRef>
+        </p:style>
+      </p:cxnSp>
+      <p:cxnSp>
+        <p:nvCxnSpPr>
+          <p:cNvPr id="55" name="Connecteur droit avec flèche 54">
+            <a:extLst>
+              <a:ext uri="{FF2B5EF4-FFF2-40B4-BE49-F238E27FC236}">
+                <a16:creationId xmlns:a16="http://schemas.microsoft.com/office/drawing/2014/main" id="{C1236C86-A036-051B-C159-D2E3AAD8D7D0}"/>
+              </a:ext>
+            </a:extLst>
+          </p:cNvPr>
+          <p:cNvCxnSpPr>
+            <a:stCxn id="11" idx="3"/>
+            <a:endCxn id="10" idx="1"/>
+          </p:cNvCxnSpPr>
+          <p:nvPr/>
+        </p:nvCxnSpPr>
+        <p:spPr>
+          <a:xfrm flipV="1">
+            <a:off x="6735521" y="2512756"/>
+            <a:ext cx="637711" cy="474"/>
+          </a:xfrm>
+          <a:prstGeom prst="straightConnector1">
+            <a:avLst/>
+          </a:prstGeom>
+          <a:ln w="28575">
+            <a:tailEnd type="triangle"/>
+          </a:ln>
+        </p:spPr>
+        <p:style>
+          <a:lnRef idx="1">
+            <a:schemeClr val="dk1"/>
+          </a:lnRef>
+          <a:fillRef idx="0">
+            <a:schemeClr val="dk1"/>
+          </a:fillRef>
+          <a:effectRef idx="0">
+            <a:schemeClr val="dk1"/>
+          </a:effectRef>
+          <a:fontRef idx="minor">
+            <a:schemeClr val="tx1"/>
+          </a:fontRef>
+        </p:style>
+      </p:cxnSp>
+      <p:cxnSp>
+        <p:nvCxnSpPr>
+          <p:cNvPr id="57" name="Connecteur droit avec flèche 56">
+            <a:extLst>
+              <a:ext uri="{FF2B5EF4-FFF2-40B4-BE49-F238E27FC236}">
+                <a16:creationId xmlns:a16="http://schemas.microsoft.com/office/drawing/2014/main" id="{862198E1-C0CC-C328-11A2-95034ADEEA69}"/>
+              </a:ext>
+            </a:extLst>
+          </p:cNvPr>
+          <p:cNvCxnSpPr>
+            <a:cxnSpLocks/>
+            <a:stCxn id="10" idx="3"/>
+            <a:endCxn id="4" idx="1"/>
+          </p:cNvCxnSpPr>
+          <p:nvPr/>
+        </p:nvCxnSpPr>
+        <p:spPr>
+          <a:xfrm>
+            <a:off x="8906303" y="2512756"/>
+            <a:ext cx="580690" cy="4323"/>
+          </a:xfrm>
+          <a:prstGeom prst="straightConnector1">
+            <a:avLst/>
+          </a:prstGeom>
+          <a:ln w="28575">
+            <a:tailEnd type="triangle"/>
+          </a:ln>
+        </p:spPr>
+        <p:style>
+          <a:lnRef idx="1">
+            <a:schemeClr val="dk1"/>
+          </a:lnRef>
+          <a:fillRef idx="0">
+            <a:schemeClr val="dk1"/>
+          </a:fillRef>
+          <a:effectRef idx="0">
+            <a:schemeClr val="dk1"/>
+          </a:effectRef>
+          <a:fontRef idx="minor">
+            <a:schemeClr val="tx1"/>
+          </a:fontRef>
+        </p:style>
+      </p:cxnSp>
+      <p:cxnSp>
+        <p:nvCxnSpPr>
+          <p:cNvPr id="61" name="Connecteur droit avec flèche 60">
+            <a:extLst>
+              <a:ext uri="{FF2B5EF4-FFF2-40B4-BE49-F238E27FC236}">
+                <a16:creationId xmlns:a16="http://schemas.microsoft.com/office/drawing/2014/main" id="{F535845D-F622-2492-683B-EC48E9ECC9B6}"/>
+              </a:ext>
+            </a:extLst>
+          </p:cNvPr>
+          <p:cNvCxnSpPr>
+            <a:cxnSpLocks/>
+            <a:stCxn id="6" idx="3"/>
+            <a:endCxn id="7" idx="1"/>
+          </p:cNvCxnSpPr>
+          <p:nvPr/>
+        </p:nvCxnSpPr>
+        <p:spPr>
+          <a:xfrm>
+            <a:off x="2424318" y="2616340"/>
+            <a:ext cx="563289" cy="761139"/>
+          </a:xfrm>
+          <a:prstGeom prst="straightConnector1">
+            <a:avLst/>
+          </a:prstGeom>
+          <a:ln w="28575">
+            <a:solidFill>
+              <a:schemeClr val="tx1"/>
+            </a:solidFill>
+            <a:tailEnd type="triangle"/>
+          </a:ln>
+        </p:spPr>
+        <p:style>
+          <a:lnRef idx="1">
+            <a:schemeClr val="dk1"/>
+          </a:lnRef>
+          <a:fillRef idx="0">
+            <a:schemeClr val="dk1"/>
+          </a:fillRef>
+          <a:effectRef idx="0">
+            <a:schemeClr val="dk1"/>
+          </a:effectRef>
+          <a:fontRef idx="minor">
+            <a:schemeClr val="tx1"/>
+          </a:fontRef>
+        </p:style>
+      </p:cxnSp>
+      <p:sp>
+        <p:nvSpPr>
+          <p:cNvPr id="75" name="Flèche : bas 74">
+            <a:extLst>
+              <a:ext uri="{FF2B5EF4-FFF2-40B4-BE49-F238E27FC236}">
+                <a16:creationId xmlns:a16="http://schemas.microsoft.com/office/drawing/2014/main" id="{54965F83-998C-8B53-C60C-3E80BC590202}"/>
+              </a:ext>
+            </a:extLst>
+          </p:cNvPr>
+          <p:cNvSpPr/>
+          <p:nvPr/>
+        </p:nvSpPr>
+        <p:spPr>
+          <a:xfrm>
+            <a:off x="5205761" y="3113450"/>
+            <a:ext cx="1771418" cy="1713552"/>
+          </a:xfrm>
+          <a:prstGeom prst="downArrow">
+            <a:avLst/>
+          </a:prstGeom>
+        </p:spPr>
+        <p:style>
+          <a:lnRef idx="2">
+            <a:schemeClr val="accent1">
+              <a:shade val="50000"/>
+            </a:schemeClr>
+          </a:lnRef>
+          <a:fillRef idx="1">
+            <a:schemeClr val="accent1"/>
+          </a:fillRef>
+          <a:effectRef idx="0">
+            <a:schemeClr val="accent1"/>
+          </a:effectRef>
+          <a:fontRef idx="minor">
+            <a:schemeClr val="lt1"/>
+          </a:fontRef>
+        </p:style>
+        <p:txBody>
+          <a:bodyPr rtlCol="0" anchor="ctr"/>
+          <a:lstStyle/>
+          <a:p>
+            <a:pPr algn="ctr"/>
+            <a:r>
+              <a:rPr lang="fr-FR" dirty="0"/>
+              <a:t>Spring</a:t>
+            </a:r>
+          </a:p>
+          <a:p>
+            <a:pPr algn="ctr"/>
+            <a:r>
+              <a:rPr lang="fr-FR" dirty="0"/>
+              <a:t>Boot</a:t>
+            </a:r>
+          </a:p>
+        </p:txBody>
+      </p:sp>
+      <p:sp>
+        <p:nvSpPr>
+          <p:cNvPr id="78" name="Ellipse 77">
+            <a:extLst>
+              <a:ext uri="{FF2B5EF4-FFF2-40B4-BE49-F238E27FC236}">
+                <a16:creationId xmlns:a16="http://schemas.microsoft.com/office/drawing/2014/main" id="{DA306419-FF93-EF32-A011-C249A6C9DEFB}"/>
+              </a:ext>
+            </a:extLst>
+          </p:cNvPr>
+          <p:cNvSpPr/>
+          <p:nvPr/>
+        </p:nvSpPr>
+        <p:spPr>
+          <a:xfrm>
+            <a:off x="8576168" y="5039025"/>
+            <a:ext cx="1821650" cy="1864126"/>
+          </a:xfrm>
+          <a:prstGeom prst="ellipse">
+            <a:avLst/>
+          </a:prstGeom>
+          <a:solidFill>
+            <a:schemeClr val="accent2">
+              <a:lumMod val="75000"/>
+            </a:schemeClr>
+          </a:solidFill>
+        </p:spPr>
+        <p:style>
+          <a:lnRef idx="2">
+            <a:schemeClr val="accent1">
+              <a:shade val="50000"/>
+            </a:schemeClr>
+          </a:lnRef>
+          <a:fillRef idx="1">
+            <a:schemeClr val="accent1"/>
+          </a:fillRef>
+          <a:effectRef idx="0">
+            <a:schemeClr val="accent1"/>
+          </a:effectRef>
+          <a:fontRef idx="minor">
+            <a:schemeClr val="lt1"/>
+          </a:fontRef>
+        </p:style>
+        <p:txBody>
+          <a:bodyPr rtlCol="0" anchor="ctr"/>
+          <a:lstStyle/>
+          <a:p>
+            <a:pPr algn="ctr"/>
+            <a:r>
+              <a:rPr lang="fr-FR" dirty="0" err="1"/>
+              <a:t>PostMan</a:t>
+            </a:r>
+            <a:endParaRPr lang="fr-FR" dirty="0"/>
+          </a:p>
+        </p:txBody>
+      </p:sp>
+      <p:sp>
+        <p:nvSpPr>
+          <p:cNvPr id="79" name="Ellipse 78">
+            <a:extLst>
+              <a:ext uri="{FF2B5EF4-FFF2-40B4-BE49-F238E27FC236}">
+                <a16:creationId xmlns:a16="http://schemas.microsoft.com/office/drawing/2014/main" id="{B17A128D-48CE-7322-E386-AC32064736AE}"/>
+              </a:ext>
+            </a:extLst>
+          </p:cNvPr>
+          <p:cNvSpPr/>
+          <p:nvPr/>
+        </p:nvSpPr>
+        <p:spPr>
+          <a:xfrm>
+            <a:off x="2424318" y="4991701"/>
+            <a:ext cx="1821650" cy="1864126"/>
+          </a:xfrm>
+          <a:prstGeom prst="ellipse">
+            <a:avLst/>
+          </a:prstGeom>
+        </p:spPr>
+        <p:style>
+          <a:lnRef idx="2">
+            <a:schemeClr val="accent1">
+              <a:shade val="50000"/>
+            </a:schemeClr>
+          </a:lnRef>
+          <a:fillRef idx="1">
+            <a:schemeClr val="accent1"/>
+          </a:fillRef>
+          <a:effectRef idx="0">
+            <a:schemeClr val="accent1"/>
+          </a:effectRef>
+          <a:fontRef idx="minor">
+            <a:schemeClr val="lt1"/>
+          </a:fontRef>
+        </p:style>
+        <p:txBody>
+          <a:bodyPr rtlCol="0" anchor="ctr"/>
+          <a:lstStyle/>
+          <a:p>
+            <a:pPr algn="ctr"/>
+            <a:r>
+              <a:rPr lang="fr-FR" dirty="0"/>
+              <a:t>MySQL</a:t>
+            </a:r>
+          </a:p>
+          <a:p>
+            <a:pPr algn="ctr"/>
+            <a:r>
+              <a:rPr lang="fr-FR" dirty="0"/>
+              <a:t>BDD</a:t>
+            </a:r>
+          </a:p>
+        </p:txBody>
+      </p:sp>
+      <p:cxnSp>
+        <p:nvCxnSpPr>
+          <p:cNvPr id="81" name="Connecteur droit avec flèche 80">
+            <a:extLst>
+              <a:ext uri="{FF2B5EF4-FFF2-40B4-BE49-F238E27FC236}">
+                <a16:creationId xmlns:a16="http://schemas.microsoft.com/office/drawing/2014/main" id="{CB6FC0FC-4D68-73EA-0C81-B39AB6D7DF3C}"/>
+              </a:ext>
+            </a:extLst>
+          </p:cNvPr>
+          <p:cNvCxnSpPr>
+            <a:stCxn id="75" idx="2"/>
+            <a:endCxn id="79" idx="7"/>
+          </p:cNvCxnSpPr>
+          <p:nvPr/>
+        </p:nvCxnSpPr>
+        <p:spPr>
+          <a:xfrm flipH="1">
+            <a:off x="3979194" y="4827002"/>
+            <a:ext cx="2112276" cy="437694"/>
+          </a:xfrm>
+          <a:prstGeom prst="straightConnector1">
+            <a:avLst/>
+          </a:prstGeom>
+          <a:ln w="28575">
+            <a:solidFill>
+              <a:schemeClr val="tx1"/>
+            </a:solidFill>
+            <a:tailEnd type="triangle"/>
+          </a:ln>
+        </p:spPr>
+        <p:style>
+          <a:lnRef idx="1">
+            <a:schemeClr val="accent1"/>
+          </a:lnRef>
+          <a:fillRef idx="0">
+            <a:schemeClr val="accent1"/>
+          </a:fillRef>
+          <a:effectRef idx="0">
+            <a:schemeClr val="accent1"/>
+          </a:effectRef>
+          <a:fontRef idx="minor">
+            <a:schemeClr val="tx1"/>
+          </a:fontRef>
+        </p:style>
+      </p:cxnSp>
+      <p:cxnSp>
+        <p:nvCxnSpPr>
+          <p:cNvPr id="83" name="Connecteur droit avec flèche 82">
+            <a:extLst>
+              <a:ext uri="{FF2B5EF4-FFF2-40B4-BE49-F238E27FC236}">
+                <a16:creationId xmlns:a16="http://schemas.microsoft.com/office/drawing/2014/main" id="{978816AC-E2CE-CF3C-E860-CE89EFA67A28}"/>
+              </a:ext>
+            </a:extLst>
+          </p:cNvPr>
+          <p:cNvCxnSpPr>
+            <a:stCxn id="75" idx="2"/>
+            <a:endCxn id="78" idx="1"/>
+          </p:cNvCxnSpPr>
+          <p:nvPr/>
+        </p:nvCxnSpPr>
+        <p:spPr>
+          <a:xfrm>
+            <a:off x="6091470" y="4827002"/>
+            <a:ext cx="2751472" cy="485018"/>
+          </a:xfrm>
+          <a:prstGeom prst="straightConnector1">
+            <a:avLst/>
+          </a:prstGeom>
+          <a:ln w="28575">
+            <a:solidFill>
+              <a:schemeClr val="tx1"/>
+            </a:solidFill>
+            <a:tailEnd type="triangle"/>
+          </a:ln>
+        </p:spPr>
+        <p:style>
+          <a:lnRef idx="1">
+            <a:schemeClr val="accent1"/>
+          </a:lnRef>
+          <a:fillRef idx="0">
+            <a:schemeClr val="accent1"/>
+          </a:fillRef>
+          <a:effectRef idx="0">
+            <a:schemeClr val="accent1"/>
+          </a:effectRef>
+          <a:fontRef idx="minor">
+            <a:schemeClr val="tx1"/>
+          </a:fontRef>
+        </p:style>
+      </p:cxnSp>
+    </p:spTree>
+    <p:extLst>
+      <p:ext uri="{BB962C8B-B14F-4D97-AF65-F5344CB8AC3E}">
+        <p14:creationId xmlns:p14="http://schemas.microsoft.com/office/powerpoint/2010/main" val="2789718086"/>
+      </p:ext>
+    </p:extLst>
+  </p:cSld>
+  <p:clrMapOvr>
+    <a:masterClrMapping/>
+  </p:clrMapOvr>
+</p:sld>
+</file>
+
+<file path=ppt/slides/slide14.xml><?xml version="1.0" encoding="utf-8"?>
+<p:sld xmlns:a="http://schemas.openxmlformats.org/drawingml/2006/main" xmlns:r="http://schemas.openxmlformats.org/officeDocument/2006/relationships" xmlns:p="http://schemas.openxmlformats.org/presentationml/2006/main">
+  <p:cSld>
+    <p:spTree>
+      <p:nvGrpSpPr>
+        <p:cNvPr id="1" name=""/>
+        <p:cNvGrpSpPr/>
+        <p:nvPr/>
+      </p:nvGrpSpPr>
+      <p:grpSpPr>
+        <a:xfrm>
+          <a:off x="0" y="0"/>
+          <a:ext cx="0" cy="0"/>
+          <a:chOff x="0" y="0"/>
+          <a:chExt cx="0" cy="0"/>
+        </a:xfrm>
+      </p:grpSpPr>
+      <p:sp>
+        <p:nvSpPr>
+          <p:cNvPr id="2" name="Titre 1">
+            <a:extLst>
+              <a:ext uri="{FF2B5EF4-FFF2-40B4-BE49-F238E27FC236}">
+                <a16:creationId xmlns:a16="http://schemas.microsoft.com/office/drawing/2014/main" id="{0E2D0971-81F2-90DC-4C99-7EC8F9B9343C}"/>
+              </a:ext>
+            </a:extLst>
+          </p:cNvPr>
+          <p:cNvSpPr>
+            <a:spLocks noGrp="1"/>
+          </p:cNvSpPr>
+          <p:nvPr>
+            <p:ph type="title"/>
+          </p:nvPr>
+        </p:nvSpPr>
+        <p:spPr/>
+        <p:txBody>
+          <a:bodyPr/>
+          <a:lstStyle/>
+          <a:p>
+            <a:pPr algn="ctr"/>
+            <a:r>
+              <a:rPr lang="fr-FR"/>
+              <a:t>MySQL</a:t>
+            </a:r>
+          </a:p>
+        </p:txBody>
+      </p:sp>
+      <p:sp>
+        <p:nvSpPr>
+          <p:cNvPr id="3" name="Espace réservé du contenu 2">
+            <a:extLst>
+              <a:ext uri="{FF2B5EF4-FFF2-40B4-BE49-F238E27FC236}">
+                <a16:creationId xmlns:a16="http://schemas.microsoft.com/office/drawing/2014/main" id="{8E3FDCDF-2F1C-B751-05B6-55F7360E759A}"/>
+              </a:ext>
+            </a:extLst>
+          </p:cNvPr>
+          <p:cNvSpPr>
+            <a:spLocks noGrp="1"/>
+          </p:cNvSpPr>
+          <p:nvPr>
+            <p:ph idx="1"/>
+          </p:nvPr>
+        </p:nvSpPr>
+        <p:spPr/>
+        <p:txBody>
+          <a:bodyPr/>
+          <a:lstStyle/>
+          <a:p>
+            <a:endParaRPr lang="fr-FR"/>
+          </a:p>
+        </p:txBody>
+      </p:sp>
+    </p:spTree>
+    <p:extLst>
+      <p:ext uri="{BB962C8B-B14F-4D97-AF65-F5344CB8AC3E}">
+        <p14:creationId xmlns:p14="http://schemas.microsoft.com/office/powerpoint/2010/main" val="2682274954"/>
+      </p:ext>
+    </p:extLst>
+  </p:cSld>
+  <p:clrMapOvr>
+    <a:masterClrMapping/>
+  </p:clrMapOvr>
+</p:sld>
+</file>
+
+<file path=ppt/slides/slide15.xml><?xml version="1.0" encoding="utf-8"?>
+<p:sld xmlns:a="http://schemas.openxmlformats.org/drawingml/2006/main" xmlns:r="http://schemas.openxmlformats.org/officeDocument/2006/relationships" xmlns:p="http://schemas.openxmlformats.org/presentationml/2006/main">
+  <p:cSld>
+    <p:spTree>
+      <p:nvGrpSpPr>
+        <p:cNvPr id="1" name=""/>
+        <p:cNvGrpSpPr/>
+        <p:nvPr/>
+      </p:nvGrpSpPr>
+      <p:grpSpPr>
+        <a:xfrm>
+          <a:off x="0" y="0"/>
+          <a:ext cx="0" cy="0"/>
+          <a:chOff x="0" y="0"/>
+          <a:chExt cx="0" cy="0"/>
+        </a:xfrm>
+      </p:grpSpPr>
+      <p:sp>
+        <p:nvSpPr>
+          <p:cNvPr id="2" name="Titre 1">
+            <a:extLst>
+              <a:ext uri="{FF2B5EF4-FFF2-40B4-BE49-F238E27FC236}">
+                <a16:creationId xmlns:a16="http://schemas.microsoft.com/office/drawing/2014/main" id="{5FE38B66-487A-1BA8-0ACD-DAF7409978EC}"/>
+              </a:ext>
+            </a:extLst>
+          </p:cNvPr>
+          <p:cNvSpPr>
+            <a:spLocks noGrp="1"/>
+          </p:cNvSpPr>
+          <p:nvPr>
+            <p:ph type="title"/>
+          </p:nvPr>
+        </p:nvSpPr>
+        <p:spPr/>
+        <p:txBody>
+          <a:bodyPr/>
+          <a:lstStyle/>
+          <a:p>
+            <a:pPr algn="ctr"/>
+            <a:r>
+              <a:rPr lang="fr-FR" dirty="0"/>
+              <a:t>Road </a:t>
+            </a:r>
+            <a:r>
+              <a:rPr lang="fr-FR" dirty="0" err="1"/>
+              <a:t>Map</a:t>
+            </a:r>
+            <a:r>
+              <a:rPr lang="fr-FR" dirty="0"/>
+              <a:t> Front End</a:t>
+            </a:r>
+          </a:p>
+        </p:txBody>
+      </p:sp>
+      <p:sp>
+        <p:nvSpPr>
+          <p:cNvPr id="6" name="Rectangle 5">
+            <a:extLst>
+              <a:ext uri="{FF2B5EF4-FFF2-40B4-BE49-F238E27FC236}">
+                <a16:creationId xmlns:a16="http://schemas.microsoft.com/office/drawing/2014/main" id="{1ABD04F1-1336-A9B8-6F6E-C0B4D134BA66}"/>
+              </a:ext>
+            </a:extLst>
+          </p:cNvPr>
+          <p:cNvSpPr/>
+          <p:nvPr/>
+        </p:nvSpPr>
+        <p:spPr>
+          <a:xfrm>
+            <a:off x="4803608" y="1551738"/>
+            <a:ext cx="1465942" cy="558347"/>
+          </a:xfrm>
+          <a:prstGeom prst="rect">
+            <a:avLst/>
+          </a:prstGeom>
+        </p:spPr>
+        <p:style>
+          <a:lnRef idx="2">
+            <a:schemeClr val="accent1">
+              <a:shade val="50000"/>
+            </a:schemeClr>
+          </a:lnRef>
+          <a:fillRef idx="1">
+            <a:schemeClr val="accent1"/>
+          </a:fillRef>
+          <a:effectRef idx="0">
+            <a:schemeClr val="accent1"/>
+          </a:effectRef>
+          <a:fontRef idx="minor">
+            <a:schemeClr val="lt1"/>
+          </a:fontRef>
+        </p:style>
+        <p:txBody>
+          <a:bodyPr rtlCol="0" anchor="ctr"/>
+          <a:lstStyle/>
+          <a:p>
+            <a:pPr algn="ctr"/>
+            <a:r>
+              <a:rPr lang="fr-FR" dirty="0"/>
+              <a:t>Entités</a:t>
+            </a:r>
+          </a:p>
+          <a:p>
+            <a:pPr algn="ctr"/>
+            <a:r>
+              <a:rPr lang="fr-FR" dirty="0"/>
+              <a:t> </a:t>
+            </a:r>
+          </a:p>
+        </p:txBody>
+      </p:sp>
+      <p:sp>
+        <p:nvSpPr>
+          <p:cNvPr id="7" name="Rectangle 6">
+            <a:extLst>
+              <a:ext uri="{FF2B5EF4-FFF2-40B4-BE49-F238E27FC236}">
+                <a16:creationId xmlns:a16="http://schemas.microsoft.com/office/drawing/2014/main" id="{C0BEFEFC-81B7-78F7-F768-CC12CA6F4998}"/>
+              </a:ext>
+            </a:extLst>
+          </p:cNvPr>
+          <p:cNvSpPr/>
+          <p:nvPr/>
+        </p:nvSpPr>
+        <p:spPr>
+          <a:xfrm>
+            <a:off x="2079685" y="2503866"/>
+            <a:ext cx="1465943" cy="558347"/>
+          </a:xfrm>
+          <a:prstGeom prst="rect">
+            <a:avLst/>
+          </a:prstGeom>
+        </p:spPr>
+        <p:style>
+          <a:lnRef idx="2">
+            <a:schemeClr val="accent1">
+              <a:shade val="50000"/>
+            </a:schemeClr>
+          </a:lnRef>
+          <a:fillRef idx="1">
+            <a:schemeClr val="accent1"/>
+          </a:fillRef>
+          <a:effectRef idx="0">
+            <a:schemeClr val="accent1"/>
+          </a:effectRef>
+          <a:fontRef idx="minor">
+            <a:schemeClr val="lt1"/>
+          </a:fontRef>
+        </p:style>
+        <p:txBody>
+          <a:bodyPr rtlCol="0" anchor="ctr"/>
+          <a:lstStyle/>
+          <a:p>
+            <a:pPr algn="ctr"/>
+            <a:r>
+              <a:rPr lang="fr-FR" dirty="0"/>
+              <a:t>Component</a:t>
+            </a:r>
+          </a:p>
+        </p:txBody>
+      </p:sp>
+      <p:cxnSp>
+        <p:nvCxnSpPr>
+          <p:cNvPr id="51" name="Connecteur droit avec flèche 50">
+            <a:extLst>
+              <a:ext uri="{FF2B5EF4-FFF2-40B4-BE49-F238E27FC236}">
+                <a16:creationId xmlns:a16="http://schemas.microsoft.com/office/drawing/2014/main" id="{9C149732-E703-9351-1081-E8A8017EFBE4}"/>
+              </a:ext>
+            </a:extLst>
+          </p:cNvPr>
+          <p:cNvCxnSpPr>
+            <a:cxnSpLocks/>
+            <a:stCxn id="6" idx="2"/>
+            <a:endCxn id="31" idx="0"/>
+          </p:cNvCxnSpPr>
+          <p:nvPr/>
+        </p:nvCxnSpPr>
+        <p:spPr>
+          <a:xfrm>
+            <a:off x="5536579" y="2110085"/>
+            <a:ext cx="1" cy="419399"/>
+          </a:xfrm>
+          <a:prstGeom prst="straightConnector1">
+            <a:avLst/>
+          </a:prstGeom>
+          <a:ln w="28575" cap="flat" cmpd="sng" algn="ctr">
+            <a:solidFill>
+              <a:schemeClr val="dk1"/>
+            </a:solidFill>
+            <a:prstDash val="solid"/>
+            <a:round/>
+            <a:headEnd type="none" w="med" len="med"/>
+            <a:tailEnd type="arrow" w="med" len="med"/>
+          </a:ln>
+        </p:spPr>
+        <p:style>
+          <a:lnRef idx="0">
+            <a:scrgbClr r="0" g="0" b="0"/>
+          </a:lnRef>
+          <a:fillRef idx="0">
+            <a:scrgbClr r="0" g="0" b="0"/>
+          </a:fillRef>
+          <a:effectRef idx="0">
+            <a:scrgbClr r="0" g="0" b="0"/>
+          </a:effectRef>
+          <a:fontRef idx="minor">
+            <a:schemeClr val="tx1"/>
+          </a:fontRef>
+        </p:style>
+      </p:cxnSp>
+      <p:cxnSp>
+        <p:nvCxnSpPr>
+          <p:cNvPr id="61" name="Connecteur droit avec flèche 60">
+            <a:extLst>
+              <a:ext uri="{FF2B5EF4-FFF2-40B4-BE49-F238E27FC236}">
+                <a16:creationId xmlns:a16="http://schemas.microsoft.com/office/drawing/2014/main" id="{F535845D-F622-2492-683B-EC48E9ECC9B6}"/>
+              </a:ext>
+            </a:extLst>
+          </p:cNvPr>
+          <p:cNvCxnSpPr>
+            <a:cxnSpLocks/>
+            <a:stCxn id="6" idx="2"/>
+            <a:endCxn id="7" idx="0"/>
+          </p:cNvCxnSpPr>
+          <p:nvPr/>
+        </p:nvCxnSpPr>
+        <p:spPr>
+          <a:xfrm flipH="1">
+            <a:off x="2812657" y="2110085"/>
+            <a:ext cx="2723922" cy="393781"/>
+          </a:xfrm>
+          <a:prstGeom prst="straightConnector1">
+            <a:avLst/>
+          </a:prstGeom>
+          <a:ln w="28575">
+            <a:solidFill>
+              <a:schemeClr val="tx1"/>
+            </a:solidFill>
+            <a:tailEnd type="triangle"/>
+          </a:ln>
+        </p:spPr>
+        <p:style>
+          <a:lnRef idx="1">
+            <a:schemeClr val="dk1"/>
+          </a:lnRef>
+          <a:fillRef idx="0">
+            <a:schemeClr val="dk1"/>
+          </a:fillRef>
+          <a:effectRef idx="0">
+            <a:schemeClr val="dk1"/>
+          </a:effectRef>
+          <a:fontRef idx="minor">
+            <a:schemeClr val="tx1"/>
+          </a:fontRef>
+        </p:style>
+      </p:cxnSp>
+      <p:sp>
+        <p:nvSpPr>
+          <p:cNvPr id="31" name="Rectangle 30">
+            <a:extLst>
+              <a:ext uri="{FF2B5EF4-FFF2-40B4-BE49-F238E27FC236}">
+                <a16:creationId xmlns:a16="http://schemas.microsoft.com/office/drawing/2014/main" id="{FEFAFDAE-50A4-6D85-7BAA-05BE1FBE2A0A}"/>
+              </a:ext>
+            </a:extLst>
+          </p:cNvPr>
+          <p:cNvSpPr/>
+          <p:nvPr/>
+        </p:nvSpPr>
+        <p:spPr>
+          <a:xfrm>
+            <a:off x="4803608" y="2529484"/>
+            <a:ext cx="1465943" cy="558347"/>
+          </a:xfrm>
+          <a:prstGeom prst="rect">
+            <a:avLst/>
+          </a:prstGeom>
+        </p:spPr>
+        <p:style>
+          <a:lnRef idx="2">
+            <a:schemeClr val="accent1">
+              <a:shade val="50000"/>
+            </a:schemeClr>
+          </a:lnRef>
+          <a:fillRef idx="1">
+            <a:schemeClr val="accent1"/>
+          </a:fillRef>
+          <a:effectRef idx="0">
+            <a:schemeClr val="accent1"/>
+          </a:effectRef>
+          <a:fontRef idx="minor">
+            <a:schemeClr val="lt1"/>
+          </a:fontRef>
+        </p:style>
+        <p:txBody>
+          <a:bodyPr rtlCol="0" anchor="ctr"/>
+          <a:lstStyle/>
+          <a:p>
+            <a:pPr algn="ctr"/>
+            <a:r>
+              <a:rPr lang="fr-FR" dirty="0"/>
+              <a:t>Model</a:t>
+            </a:r>
+          </a:p>
+        </p:txBody>
+      </p:sp>
+      <p:sp>
+        <p:nvSpPr>
+          <p:cNvPr id="33" name="Rectangle 32">
+            <a:extLst>
+              <a:ext uri="{FF2B5EF4-FFF2-40B4-BE49-F238E27FC236}">
+                <a16:creationId xmlns:a16="http://schemas.microsoft.com/office/drawing/2014/main" id="{7551CB75-EC03-2327-4EB4-CC84FDFAE2EF}"/>
+              </a:ext>
+            </a:extLst>
+          </p:cNvPr>
+          <p:cNvSpPr/>
+          <p:nvPr/>
+        </p:nvSpPr>
+        <p:spPr>
+          <a:xfrm>
+            <a:off x="841664" y="3926627"/>
+            <a:ext cx="1359200" cy="558347"/>
+          </a:xfrm>
+          <a:prstGeom prst="rect">
+            <a:avLst/>
+          </a:prstGeom>
+        </p:spPr>
+        <p:style>
+          <a:lnRef idx="2">
+            <a:schemeClr val="accent1">
+              <a:shade val="50000"/>
+            </a:schemeClr>
+          </a:lnRef>
+          <a:fillRef idx="1">
+            <a:schemeClr val="accent1"/>
+          </a:fillRef>
+          <a:effectRef idx="0">
+            <a:schemeClr val="accent1"/>
+          </a:effectRef>
+          <a:fontRef idx="minor">
+            <a:schemeClr val="lt1"/>
+          </a:fontRef>
+        </p:style>
+        <p:txBody>
+          <a:bodyPr rtlCol="0" anchor="ctr"/>
+          <a:lstStyle/>
+          <a:p>
+            <a:pPr algn="ctr"/>
+            <a:r>
+              <a:rPr lang="fr-FR" dirty="0"/>
+              <a:t>List- &lt;&gt;</a:t>
+            </a:r>
+          </a:p>
+        </p:txBody>
+      </p:sp>
+      <p:sp>
+        <p:nvSpPr>
+          <p:cNvPr id="35" name="Rectangle 34">
+            <a:extLst>
+              <a:ext uri="{FF2B5EF4-FFF2-40B4-BE49-F238E27FC236}">
+                <a16:creationId xmlns:a16="http://schemas.microsoft.com/office/drawing/2014/main" id="{363B6B1B-E078-96F2-C59A-A64758EE250B}"/>
+              </a:ext>
+            </a:extLst>
+          </p:cNvPr>
+          <p:cNvSpPr/>
+          <p:nvPr/>
+        </p:nvSpPr>
+        <p:spPr>
+          <a:xfrm>
+            <a:off x="3284484" y="3926629"/>
+            <a:ext cx="1287516" cy="558346"/>
+          </a:xfrm>
+          <a:prstGeom prst="rect">
+            <a:avLst/>
+          </a:prstGeom>
+        </p:spPr>
+        <p:style>
+          <a:lnRef idx="2">
+            <a:schemeClr val="accent1">
+              <a:shade val="50000"/>
+            </a:schemeClr>
+          </a:lnRef>
+          <a:fillRef idx="1">
+            <a:schemeClr val="accent1"/>
+          </a:fillRef>
+          <a:effectRef idx="0">
+            <a:schemeClr val="accent1"/>
+          </a:effectRef>
+          <a:fontRef idx="minor">
+            <a:schemeClr val="lt1"/>
+          </a:fontRef>
+        </p:style>
+        <p:txBody>
+          <a:bodyPr rtlCol="0" anchor="ctr"/>
+          <a:lstStyle/>
+          <a:p>
+            <a:pPr algn="ctr"/>
+            <a:r>
+              <a:rPr lang="fr-FR" dirty="0"/>
+              <a:t>Edit- &lt;&gt;</a:t>
+            </a:r>
+          </a:p>
+        </p:txBody>
+      </p:sp>
+      <p:cxnSp>
+        <p:nvCxnSpPr>
+          <p:cNvPr id="41" name="Connecteur droit avec flèche 40">
+            <a:extLst>
+              <a:ext uri="{FF2B5EF4-FFF2-40B4-BE49-F238E27FC236}">
+                <a16:creationId xmlns:a16="http://schemas.microsoft.com/office/drawing/2014/main" id="{130FE005-77BB-B806-BE5C-C64BDC690106}"/>
+              </a:ext>
+            </a:extLst>
+          </p:cNvPr>
+          <p:cNvCxnSpPr>
+            <a:cxnSpLocks/>
+            <a:stCxn id="7" idx="2"/>
+            <a:endCxn id="35" idx="0"/>
+          </p:cNvCxnSpPr>
+          <p:nvPr/>
+        </p:nvCxnSpPr>
+        <p:spPr>
+          <a:xfrm>
+            <a:off x="2812657" y="3062213"/>
+            <a:ext cx="1115585" cy="864416"/>
+          </a:xfrm>
+          <a:prstGeom prst="straightConnector1">
+            <a:avLst/>
+          </a:prstGeom>
+          <a:ln w="28575">
+            <a:solidFill>
+              <a:schemeClr val="tx1"/>
+            </a:solidFill>
+            <a:tailEnd type="triangle"/>
+          </a:ln>
+        </p:spPr>
+        <p:style>
+          <a:lnRef idx="1">
+            <a:schemeClr val="accent1"/>
+          </a:lnRef>
+          <a:fillRef idx="0">
+            <a:schemeClr val="accent1"/>
+          </a:fillRef>
+          <a:effectRef idx="0">
+            <a:schemeClr val="accent1"/>
+          </a:effectRef>
+          <a:fontRef idx="minor">
+            <a:schemeClr val="tx1"/>
+          </a:fontRef>
+        </p:style>
+      </p:cxnSp>
+      <p:cxnSp>
+        <p:nvCxnSpPr>
+          <p:cNvPr id="44" name="Connecteur droit avec flèche 43">
+            <a:extLst>
+              <a:ext uri="{FF2B5EF4-FFF2-40B4-BE49-F238E27FC236}">
+                <a16:creationId xmlns:a16="http://schemas.microsoft.com/office/drawing/2014/main" id="{ABC3207A-135D-27E0-88DD-91FF217A48DF}"/>
+              </a:ext>
+            </a:extLst>
+          </p:cNvPr>
+          <p:cNvCxnSpPr>
+            <a:cxnSpLocks/>
+            <a:stCxn id="7" idx="2"/>
+            <a:endCxn id="33" idx="0"/>
+          </p:cNvCxnSpPr>
+          <p:nvPr/>
+        </p:nvCxnSpPr>
+        <p:spPr>
+          <a:xfrm flipH="1">
+            <a:off x="1521264" y="3062213"/>
+            <a:ext cx="1291393" cy="864414"/>
+          </a:xfrm>
+          <a:prstGeom prst="straightConnector1">
+            <a:avLst/>
+          </a:prstGeom>
+          <a:ln w="28575">
+            <a:solidFill>
+              <a:schemeClr val="tx1"/>
+            </a:solidFill>
+            <a:tailEnd type="triangle"/>
+          </a:ln>
+        </p:spPr>
+        <p:style>
+          <a:lnRef idx="1">
+            <a:schemeClr val="accent1"/>
+          </a:lnRef>
+          <a:fillRef idx="0">
+            <a:schemeClr val="accent1"/>
+          </a:fillRef>
+          <a:effectRef idx="0">
+            <a:schemeClr val="accent1"/>
+          </a:effectRef>
+          <a:fontRef idx="minor">
+            <a:schemeClr val="tx1"/>
+          </a:fontRef>
+        </p:style>
+      </p:cxnSp>
+      <p:cxnSp>
+        <p:nvCxnSpPr>
+          <p:cNvPr id="64" name="Connecteur droit avec flèche 63">
+            <a:extLst>
+              <a:ext uri="{FF2B5EF4-FFF2-40B4-BE49-F238E27FC236}">
+                <a16:creationId xmlns:a16="http://schemas.microsoft.com/office/drawing/2014/main" id="{567101DA-8F90-5904-811E-3A4208BB39A1}"/>
+              </a:ext>
+            </a:extLst>
+          </p:cNvPr>
+          <p:cNvCxnSpPr>
+            <a:cxnSpLocks/>
+            <a:stCxn id="6" idx="2"/>
+            <a:endCxn id="67" idx="0"/>
+          </p:cNvCxnSpPr>
+          <p:nvPr/>
+        </p:nvCxnSpPr>
+        <p:spPr>
+          <a:xfrm>
+            <a:off x="5536579" y="2110085"/>
+            <a:ext cx="3179369" cy="387799"/>
+          </a:xfrm>
+          <a:prstGeom prst="straightConnector1">
+            <a:avLst/>
+          </a:prstGeom>
+          <a:ln w="28575" cap="flat" cmpd="sng" algn="ctr">
+            <a:solidFill>
+              <a:schemeClr val="dk1"/>
+            </a:solidFill>
+            <a:prstDash val="solid"/>
+            <a:round/>
+            <a:headEnd type="none" w="med" len="med"/>
+            <a:tailEnd type="arrow" w="med" len="med"/>
+          </a:ln>
+        </p:spPr>
+        <p:style>
+          <a:lnRef idx="0">
+            <a:scrgbClr r="0" g="0" b="0"/>
+          </a:lnRef>
+          <a:fillRef idx="0">
+            <a:scrgbClr r="0" g="0" b="0"/>
+          </a:fillRef>
+          <a:effectRef idx="0">
+            <a:scrgbClr r="0" g="0" b="0"/>
+          </a:effectRef>
+          <a:fontRef idx="minor">
+            <a:schemeClr val="tx1"/>
+          </a:fontRef>
+        </p:style>
+      </p:cxnSp>
+      <p:sp>
+        <p:nvSpPr>
+          <p:cNvPr id="67" name="Rectangle 66">
+            <a:extLst>
+              <a:ext uri="{FF2B5EF4-FFF2-40B4-BE49-F238E27FC236}">
+                <a16:creationId xmlns:a16="http://schemas.microsoft.com/office/drawing/2014/main" id="{D3307A6E-2B5B-D9DD-FDAD-450A6258A4A0}"/>
+              </a:ext>
+            </a:extLst>
+          </p:cNvPr>
+          <p:cNvSpPr/>
+          <p:nvPr/>
+        </p:nvSpPr>
+        <p:spPr>
+          <a:xfrm>
+            <a:off x="7982976" y="2497884"/>
+            <a:ext cx="1465943" cy="558347"/>
+          </a:xfrm>
+          <a:prstGeom prst="rect">
+            <a:avLst/>
+          </a:prstGeom>
+        </p:spPr>
+        <p:style>
+          <a:lnRef idx="2">
+            <a:schemeClr val="accent1">
+              <a:shade val="50000"/>
+            </a:schemeClr>
+          </a:lnRef>
+          <a:fillRef idx="1">
+            <a:schemeClr val="accent1"/>
+          </a:fillRef>
+          <a:effectRef idx="0">
+            <a:schemeClr val="accent1"/>
+          </a:effectRef>
+          <a:fontRef idx="minor">
+            <a:schemeClr val="lt1"/>
+          </a:fontRef>
+        </p:style>
+        <p:txBody>
+          <a:bodyPr rtlCol="0" anchor="ctr"/>
+          <a:lstStyle/>
+          <a:p>
+            <a:pPr algn="ctr"/>
+            <a:r>
+              <a:rPr lang="fr-FR" dirty="0"/>
+              <a:t>Services</a:t>
+            </a:r>
+          </a:p>
+        </p:txBody>
+      </p:sp>
+      <p:sp>
+        <p:nvSpPr>
+          <p:cNvPr id="70" name="Rectangle 69">
+            <a:extLst>
+              <a:ext uri="{FF2B5EF4-FFF2-40B4-BE49-F238E27FC236}">
+                <a16:creationId xmlns:a16="http://schemas.microsoft.com/office/drawing/2014/main" id="{62C085BF-A34C-0E8B-8C79-ADF10CD54845}"/>
+              </a:ext>
+            </a:extLst>
+          </p:cNvPr>
+          <p:cNvSpPr/>
+          <p:nvPr/>
+        </p:nvSpPr>
+        <p:spPr>
+          <a:xfrm>
+            <a:off x="7440758" y="4146214"/>
+            <a:ext cx="2550378" cy="864415"/>
+          </a:xfrm>
+          <a:prstGeom prst="rect">
+            <a:avLst/>
+          </a:prstGeom>
+        </p:spPr>
+        <p:style>
+          <a:lnRef idx="2">
+            <a:schemeClr val="accent1">
+              <a:shade val="50000"/>
+            </a:schemeClr>
+          </a:lnRef>
+          <a:fillRef idx="1">
+            <a:schemeClr val="accent1"/>
+          </a:fillRef>
+          <a:effectRef idx="0">
+            <a:schemeClr val="accent1"/>
+          </a:effectRef>
+          <a:fontRef idx="minor">
+            <a:schemeClr val="lt1"/>
+          </a:fontRef>
+        </p:style>
+        <p:txBody>
+          <a:bodyPr rtlCol="0" anchor="ctr"/>
+          <a:lstStyle/>
+          <a:p>
+            <a:pPr algn="ctr"/>
+            <a:r>
+              <a:rPr lang="fr-FR" dirty="0"/>
+              <a:t>Appels les méthode en  back via</a:t>
+            </a:r>
+          </a:p>
+        </p:txBody>
+      </p:sp>
+      <p:cxnSp>
+        <p:nvCxnSpPr>
+          <p:cNvPr id="71" name="Connecteur droit avec flèche 70">
+            <a:extLst>
+              <a:ext uri="{FF2B5EF4-FFF2-40B4-BE49-F238E27FC236}">
+                <a16:creationId xmlns:a16="http://schemas.microsoft.com/office/drawing/2014/main" id="{E7CA5C84-98FF-6618-B8E0-B55C55068C24}"/>
+              </a:ext>
+            </a:extLst>
+          </p:cNvPr>
+          <p:cNvCxnSpPr>
+            <a:cxnSpLocks/>
+            <a:stCxn id="67" idx="2"/>
+            <a:endCxn id="70" idx="0"/>
+          </p:cNvCxnSpPr>
+          <p:nvPr/>
+        </p:nvCxnSpPr>
+        <p:spPr>
+          <a:xfrm flipH="1">
+            <a:off x="8715947" y="3056231"/>
+            <a:ext cx="1" cy="1089983"/>
+          </a:xfrm>
+          <a:prstGeom prst="straightConnector1">
+            <a:avLst/>
+          </a:prstGeom>
+          <a:ln w="28575" cap="flat" cmpd="sng" algn="ctr">
+            <a:solidFill>
+              <a:schemeClr val="dk1"/>
+            </a:solidFill>
+            <a:prstDash val="solid"/>
+            <a:round/>
+            <a:headEnd type="none" w="med" len="med"/>
+            <a:tailEnd type="arrow" w="med" len="med"/>
+          </a:ln>
+        </p:spPr>
+        <p:style>
+          <a:lnRef idx="0">
+            <a:scrgbClr r="0" g="0" b="0"/>
+          </a:lnRef>
+          <a:fillRef idx="0">
+            <a:scrgbClr r="0" g="0" b="0"/>
+          </a:fillRef>
+          <a:effectRef idx="0">
+            <a:scrgbClr r="0" g="0" b="0"/>
+          </a:effectRef>
+          <a:fontRef idx="minor">
+            <a:schemeClr val="tx1"/>
+          </a:fontRef>
+        </p:style>
+      </p:cxnSp>
+      <p:sp>
+        <p:nvSpPr>
+          <p:cNvPr id="86" name="Flèche : bas 85">
+            <a:extLst>
+              <a:ext uri="{FF2B5EF4-FFF2-40B4-BE49-F238E27FC236}">
+                <a16:creationId xmlns:a16="http://schemas.microsoft.com/office/drawing/2014/main" id="{044647AE-CB27-CC49-314F-711BAE04D70D}"/>
+              </a:ext>
+            </a:extLst>
+          </p:cNvPr>
+          <p:cNvSpPr/>
+          <p:nvPr/>
+        </p:nvSpPr>
+        <p:spPr>
+          <a:xfrm>
+            <a:off x="5005736" y="4589710"/>
+            <a:ext cx="1771418" cy="1713552"/>
+          </a:xfrm>
+          <a:prstGeom prst="downArrow">
+            <a:avLst/>
+          </a:prstGeom>
+        </p:spPr>
+        <p:style>
+          <a:lnRef idx="2">
+            <a:schemeClr val="accent1">
+              <a:shade val="50000"/>
+            </a:schemeClr>
+          </a:lnRef>
+          <a:fillRef idx="1">
+            <a:schemeClr val="accent1"/>
+          </a:fillRef>
+          <a:effectRef idx="0">
+            <a:schemeClr val="accent1"/>
+          </a:effectRef>
+          <a:fontRef idx="minor">
+            <a:schemeClr val="lt1"/>
+          </a:fontRef>
+        </p:style>
+        <p:txBody>
+          <a:bodyPr rtlCol="0" anchor="ctr"/>
+          <a:lstStyle/>
+          <a:p>
+            <a:pPr algn="ctr"/>
+            <a:r>
+              <a:rPr lang="fr-FR" dirty="0" err="1"/>
+              <a:t>Ng</a:t>
+            </a:r>
+            <a:r>
+              <a:rPr lang="fr-FR" dirty="0"/>
+              <a:t> serve</a:t>
+            </a:r>
+          </a:p>
+        </p:txBody>
+      </p:sp>
+    </p:spTree>
+    <p:extLst>
+      <p:ext uri="{BB962C8B-B14F-4D97-AF65-F5344CB8AC3E}">
+        <p14:creationId xmlns:p14="http://schemas.microsoft.com/office/powerpoint/2010/main" val="2931318129"/>
+      </p:ext>
+    </p:extLst>
+  </p:cSld>
+  <p:clrMapOvr>
+    <a:masterClrMapping/>
+  </p:clrMapOvr>
+</p:sld>
+</file>
+
+<file path=ppt/slides/slide16.xml><?xml version="1.0" encoding="utf-8"?>
+<p:sld xmlns:a="http://schemas.openxmlformats.org/drawingml/2006/main" xmlns:r="http://schemas.openxmlformats.org/officeDocument/2006/relationships" xmlns:p="http://schemas.openxmlformats.org/presentationml/2006/main">
+  <p:cSld>
+    <p:spTree>
+      <p:nvGrpSpPr>
+        <p:cNvPr id="1" name=""/>
+        <p:cNvGrpSpPr/>
+        <p:nvPr/>
+      </p:nvGrpSpPr>
+      <p:grpSpPr>
+        <a:xfrm>
+          <a:off x="0" y="0"/>
+          <a:ext cx="0" cy="0"/>
+          <a:chOff x="0" y="0"/>
+          <a:chExt cx="0" cy="0"/>
+        </a:xfrm>
+      </p:grpSpPr>
+      <p:sp>
+        <p:nvSpPr>
+          <p:cNvPr id="2" name="Titre 1">
+            <a:extLst>
+              <a:ext uri="{FF2B5EF4-FFF2-40B4-BE49-F238E27FC236}">
+                <a16:creationId xmlns:a16="http://schemas.microsoft.com/office/drawing/2014/main" id="{D16EC2E5-8541-4BC2-D293-F03989880E88}"/>
+              </a:ext>
+            </a:extLst>
+          </p:cNvPr>
+          <p:cNvSpPr>
+            <a:spLocks noGrp="1"/>
+          </p:cNvSpPr>
+          <p:nvPr>
+            <p:ph type="title"/>
+          </p:nvPr>
+        </p:nvSpPr>
+        <p:spPr/>
+        <p:txBody>
+          <a:bodyPr/>
+          <a:lstStyle/>
+          <a:p>
+            <a:endParaRPr lang="fr-FR"/>
+          </a:p>
+        </p:txBody>
+      </p:sp>
+      <p:pic>
+        <p:nvPicPr>
+          <p:cNvPr id="5" name="Espace réservé du contenu 4">
+            <a:extLst>
+              <a:ext uri="{FF2B5EF4-FFF2-40B4-BE49-F238E27FC236}">
+                <a16:creationId xmlns:a16="http://schemas.microsoft.com/office/drawing/2014/main" id="{B8090B08-84E8-2680-C629-F81C36B875C8}"/>
+              </a:ext>
+            </a:extLst>
+          </p:cNvPr>
+          <p:cNvPicPr>
+            <a:picLocks noGrp="1" noChangeAspect="1"/>
+          </p:cNvPicPr>
+          <p:nvPr>
+            <p:ph idx="1"/>
+          </p:nvPr>
+        </p:nvPicPr>
+        <p:blipFill>
+          <a:blip r:embed="rId2"/>
+          <a:stretch>
+            <a:fillRect/>
+          </a:stretch>
+        </p:blipFill>
+        <p:spPr>
+          <a:xfrm>
+            <a:off x="2226255" y="1825625"/>
+            <a:ext cx="7739489" cy="4351338"/>
+          </a:xfrm>
+        </p:spPr>
+      </p:pic>
+    </p:spTree>
+    <p:extLst>
+      <p:ext uri="{BB962C8B-B14F-4D97-AF65-F5344CB8AC3E}">
+        <p14:creationId xmlns:p14="http://schemas.microsoft.com/office/powerpoint/2010/main" val="3587249662"/>
+      </p:ext>
+    </p:extLst>
+  </p:cSld>
+  <p:clrMapOvr>
+    <a:masterClrMapping/>
+  </p:clrMapOvr>
+</p:sld>
+</file>
+
+<file path=ppt/slides/slide17.xml><?xml version="1.0" encoding="utf-8"?>
+<p:sld xmlns:a="http://schemas.openxmlformats.org/drawingml/2006/main" xmlns:r="http://schemas.openxmlformats.org/officeDocument/2006/relationships" xmlns:p="http://schemas.openxmlformats.org/presentationml/2006/main">
+  <p:cSld>
+    <p:spTree>
+      <p:nvGrpSpPr>
+        <p:cNvPr id="1" name=""/>
+        <p:cNvGrpSpPr/>
+        <p:nvPr/>
+      </p:nvGrpSpPr>
+      <p:grpSpPr>
+        <a:xfrm>
+          <a:off x="0" y="0"/>
+          <a:ext cx="0" cy="0"/>
+          <a:chOff x="0" y="0"/>
+          <a:chExt cx="0" cy="0"/>
+        </a:xfrm>
+      </p:grpSpPr>
+      <p:sp>
+        <p:nvSpPr>
+          <p:cNvPr id="2" name="Titre 1">
+            <a:extLst>
+              <a:ext uri="{FF2B5EF4-FFF2-40B4-BE49-F238E27FC236}">
+                <a16:creationId xmlns:a16="http://schemas.microsoft.com/office/drawing/2014/main" id="{4DD1EA34-19E0-2DAD-0794-3337773037D1}"/>
+              </a:ext>
+            </a:extLst>
+          </p:cNvPr>
+          <p:cNvSpPr>
+            <a:spLocks noGrp="1"/>
+          </p:cNvSpPr>
+          <p:nvPr>
+            <p:ph type="title"/>
+          </p:nvPr>
+        </p:nvSpPr>
+        <p:spPr/>
+        <p:txBody>
+          <a:bodyPr/>
+          <a:lstStyle/>
+          <a:p>
+            <a:r>
+              <a:rPr lang="fr-FR" dirty="0"/>
+              <a:t>Déroulement de la construction de l’application</a:t>
+            </a:r>
+          </a:p>
+        </p:txBody>
+      </p:sp>
+      <p:sp>
+        <p:nvSpPr>
+          <p:cNvPr id="3" name="Espace réservé du contenu 2">
+            <a:extLst>
+              <a:ext uri="{FF2B5EF4-FFF2-40B4-BE49-F238E27FC236}">
+                <a16:creationId xmlns:a16="http://schemas.microsoft.com/office/drawing/2014/main" id="{648AB00C-C18C-718F-3939-C0C8958A48CA}"/>
+              </a:ext>
+            </a:extLst>
+          </p:cNvPr>
+          <p:cNvSpPr>
+            <a:spLocks noGrp="1"/>
+          </p:cNvSpPr>
+          <p:nvPr>
+            <p:ph idx="1"/>
+          </p:nvPr>
+        </p:nvSpPr>
+        <p:spPr/>
+        <p:txBody>
+          <a:bodyPr>
+            <a:normAutofit lnSpcReduction="10000"/>
+          </a:bodyPr>
+          <a:lstStyle/>
+          <a:p>
+            <a:r>
+              <a:rPr lang="fr-FR" dirty="0"/>
+              <a:t>Lors de la création de notre back end, nous avons utilisé l’IDE( environnement de développement intégré) éclipse, qui nous a permis de passer par plusieurs processus de création.</a:t>
+            </a:r>
+          </a:p>
+          <a:p>
+            <a:r>
+              <a:rPr lang="fr-FR" dirty="0"/>
+              <a:t>Dans un premier temps, nous codions en java sans « automatisation », c’est-à-dire que toute les modifications de paramètre et les implémentations de librairie et dépendance se faisait à la main.</a:t>
+            </a:r>
+          </a:p>
+          <a:p>
+            <a:r>
+              <a:rPr lang="fr-FR" dirty="0"/>
+              <a:t>Ce qui impliquait la création de ce que l’on appel des dao où nous implémentions nos </a:t>
+            </a:r>
+            <a:r>
+              <a:rPr lang="fr-FR" dirty="0" err="1"/>
+              <a:t>crud</a:t>
+            </a:r>
+            <a:r>
+              <a:rPr lang="fr-FR" dirty="0"/>
+              <a:t>(méthodes permettant de Sélectionner, Créer, Modifier, Supprimer) pour l’envoyer dans nos base de donnée.</a:t>
+            </a:r>
+          </a:p>
+          <a:p>
+            <a:r>
+              <a:rPr lang="fr-FR" dirty="0"/>
+              <a:t>Puis nous sommes passées à Spring </a:t>
+            </a:r>
+          </a:p>
+        </p:txBody>
+      </p:sp>
+    </p:spTree>
+    <p:extLst>
+      <p:ext uri="{BB962C8B-B14F-4D97-AF65-F5344CB8AC3E}">
+        <p14:creationId xmlns:p14="http://schemas.microsoft.com/office/powerpoint/2010/main" val="2702291591"/>
+      </p:ext>
+    </p:extLst>
+  </p:cSld>
+  <p:clrMapOvr>
+    <a:masterClrMapping/>
+  </p:clrMapOvr>
+</p:sld>
+</file>
+
+<file path=ppt/slides/slide18.xml><?xml version="1.0" encoding="utf-8"?>
+<p:sld xmlns:a="http://schemas.openxmlformats.org/drawingml/2006/main" xmlns:r="http://schemas.openxmlformats.org/officeDocument/2006/relationships" xmlns:p="http://schemas.openxmlformats.org/presentationml/2006/main">
+  <p:cSld>
+    <p:spTree>
+      <p:nvGrpSpPr>
+        <p:cNvPr id="1" name=""/>
+        <p:cNvGrpSpPr/>
+        <p:nvPr/>
+      </p:nvGrpSpPr>
+      <p:grpSpPr>
+        <a:xfrm>
+          <a:off x="0" y="0"/>
+          <a:ext cx="0" cy="0"/>
+          <a:chOff x="0" y="0"/>
+          <a:chExt cx="0" cy="0"/>
+        </a:xfrm>
+      </p:grpSpPr>
+      <p:sp>
+        <p:nvSpPr>
+          <p:cNvPr id="2" name="Titre 1">
+            <a:extLst>
+              <a:ext uri="{FF2B5EF4-FFF2-40B4-BE49-F238E27FC236}">
+                <a16:creationId xmlns:a16="http://schemas.microsoft.com/office/drawing/2014/main" id="{E1875DD9-2E15-0130-E8C6-1120ADB0ED09}"/>
+              </a:ext>
+            </a:extLst>
+          </p:cNvPr>
+          <p:cNvSpPr>
+            <a:spLocks noGrp="1"/>
+          </p:cNvSpPr>
+          <p:nvPr>
+            <p:ph type="title"/>
+          </p:nvPr>
+        </p:nvSpPr>
+        <p:spPr/>
+        <p:txBody>
+          <a:bodyPr/>
+          <a:lstStyle/>
+          <a:p>
+            <a:endParaRPr lang="fr-FR"/>
+          </a:p>
+        </p:txBody>
+      </p:sp>
+      <p:sp>
+        <p:nvSpPr>
+          <p:cNvPr id="3" name="Espace réservé du contenu 2">
+            <a:extLst>
+              <a:ext uri="{FF2B5EF4-FFF2-40B4-BE49-F238E27FC236}">
+                <a16:creationId xmlns:a16="http://schemas.microsoft.com/office/drawing/2014/main" id="{7AE18047-571F-7BC5-2EF9-9C4DB62E6B26}"/>
+              </a:ext>
+            </a:extLst>
+          </p:cNvPr>
+          <p:cNvSpPr>
+            <a:spLocks noGrp="1"/>
+          </p:cNvSpPr>
+          <p:nvPr>
+            <p:ph idx="1"/>
+          </p:nvPr>
+        </p:nvSpPr>
+        <p:spPr/>
+        <p:txBody>
+          <a:bodyPr/>
+          <a:lstStyle/>
+          <a:p>
+            <a:endParaRPr lang="fr-FR"/>
+          </a:p>
+        </p:txBody>
+      </p:sp>
+    </p:spTree>
+    <p:extLst>
+      <p:ext uri="{BB962C8B-B14F-4D97-AF65-F5344CB8AC3E}">
+        <p14:creationId xmlns:p14="http://schemas.microsoft.com/office/powerpoint/2010/main" val="2091610563"/>
+      </p:ext>
+    </p:extLst>
+  </p:cSld>
+  <p:clrMapOvr>
+    <a:masterClrMapping/>
+  </p:clrMapOvr>
+</p:sld>
+</file>
+
+<file path=ppt/slides/slide19.xml><?xml version="1.0" encoding="utf-8"?>
+<p:sld xmlns:a="http://schemas.openxmlformats.org/drawingml/2006/main" xmlns:r="http://schemas.openxmlformats.org/officeDocument/2006/relationships" xmlns:p="http://schemas.openxmlformats.org/presentationml/2006/main">
+  <p:cSld>
+    <p:spTree>
+      <p:nvGrpSpPr>
+        <p:cNvPr id="1" name=""/>
+        <p:cNvGrpSpPr/>
+        <p:nvPr/>
+      </p:nvGrpSpPr>
+      <p:grpSpPr>
+        <a:xfrm>
+          <a:off x="0" y="0"/>
+          <a:ext cx="0" cy="0"/>
+          <a:chOff x="0" y="0"/>
+          <a:chExt cx="0" cy="0"/>
+        </a:xfrm>
+      </p:grpSpPr>
+      <p:sp>
+        <p:nvSpPr>
+          <p:cNvPr id="2" name="Titre 1">
+            <a:extLst>
+              <a:ext uri="{FF2B5EF4-FFF2-40B4-BE49-F238E27FC236}">
+                <a16:creationId xmlns:a16="http://schemas.microsoft.com/office/drawing/2014/main" id="{62794BC7-976D-04BF-AA59-065354B6AB49}"/>
+              </a:ext>
+            </a:extLst>
+          </p:cNvPr>
+          <p:cNvSpPr>
+            <a:spLocks noGrp="1"/>
+          </p:cNvSpPr>
+          <p:nvPr>
+            <p:ph type="title"/>
+          </p:nvPr>
+        </p:nvSpPr>
+        <p:spPr/>
+        <p:txBody>
+          <a:bodyPr/>
+          <a:lstStyle/>
+          <a:p>
+            <a:pPr algn="ctr"/>
+            <a:r>
+              <a:rPr lang="fr-FR" dirty="0"/>
+              <a:t>Nouvelle version prévue</a:t>
+            </a:r>
+          </a:p>
+        </p:txBody>
+      </p:sp>
+      <p:sp>
+        <p:nvSpPr>
+          <p:cNvPr id="3" name="Espace réservé du contenu 2">
+            <a:extLst>
+              <a:ext uri="{FF2B5EF4-FFF2-40B4-BE49-F238E27FC236}">
+                <a16:creationId xmlns:a16="http://schemas.microsoft.com/office/drawing/2014/main" id="{0676130F-2975-F2E8-83C9-2F52C93F2B68}"/>
+              </a:ext>
+            </a:extLst>
+          </p:cNvPr>
+          <p:cNvSpPr>
+            <a:spLocks noGrp="1"/>
+          </p:cNvSpPr>
+          <p:nvPr>
+            <p:ph idx="1"/>
+          </p:nvPr>
+        </p:nvSpPr>
+        <p:spPr/>
+        <p:txBody>
+          <a:bodyPr/>
+          <a:lstStyle/>
+          <a:p>
+            <a:endParaRPr lang="fr-FR" dirty="0"/>
+          </a:p>
+        </p:txBody>
+      </p:sp>
+    </p:spTree>
+    <p:extLst>
+      <p:ext uri="{BB962C8B-B14F-4D97-AF65-F5344CB8AC3E}">
+        <p14:creationId xmlns:p14="http://schemas.microsoft.com/office/powerpoint/2010/main" val="3780330398"/>
+      </p:ext>
+    </p:extLst>
+  </p:cSld>
+  <p:clrMapOvr>
+    <a:masterClrMapping/>
+  </p:clrMapOvr>
+</p:sld>
+</file>
+
 <file path=ppt/slides/slide2.xml><?xml version="1.0" encoding="utf-8"?>
 <p:sld xmlns:a="http://schemas.openxmlformats.org/drawingml/2006/main" xmlns:r="http://schemas.openxmlformats.org/officeDocument/2006/relationships" xmlns:p="http://schemas.openxmlformats.org/presentationml/2006/main">
   <p:cSld>
@@ -3699,7 +6788,7 @@
           <p:cNvPr id="2" name="Titre 1">
             <a:extLst>
               <a:ext uri="{FF2B5EF4-FFF2-40B4-BE49-F238E27FC236}">
-                <a16:creationId xmlns:a16="http://schemas.microsoft.com/office/drawing/2014/main" id="{D1351B3B-83F4-C868-3D36-1FCF1CDD1CC3}"/>
+                <a16:creationId xmlns:a16="http://schemas.microsoft.com/office/drawing/2014/main" id="{27719406-EAF3-D49D-2C01-2967A66C4D85}"/>
               </a:ext>
             </a:extLst>
           </p:cNvPr>
@@ -3715,11 +6804,7 @@
           <a:bodyPr/>
           <a:lstStyle/>
           <a:p>
-            <a:pPr algn="ctr"/>
-            <a:r>
-              <a:rPr lang="fr-FR" dirty="0"/>
-              <a:t>Introduction</a:t>
-            </a:r>
+            <a:endParaRPr lang="fr-FR"/>
           </a:p>
         </p:txBody>
       </p:sp>
@@ -3728,7 +6813,7 @@
           <p:cNvPr id="3" name="Espace réservé du contenu 2">
             <a:extLst>
               <a:ext uri="{FF2B5EF4-FFF2-40B4-BE49-F238E27FC236}">
-                <a16:creationId xmlns:a16="http://schemas.microsoft.com/office/drawing/2014/main" id="{CD2BF9AE-CD77-5822-5310-A6D3DBC287C6}"/>
+                <a16:creationId xmlns:a16="http://schemas.microsoft.com/office/drawing/2014/main" id="{B582B3EA-CE0D-26E7-33F0-A3D7C087962C}"/>
               </a:ext>
             </a:extLst>
           </p:cNvPr>
@@ -3741,174 +6826,17 @@
         </p:nvSpPr>
         <p:spPr/>
         <p:txBody>
-          <a:bodyPr>
-            <a:normAutofit fontScale="32500" lnSpcReduction="20000"/>
-          </a:bodyPr>
-          <a:lstStyle/>
-          <a:p>
-            <a:r>
-              <a:rPr lang="fr-FR" dirty="0" err="1"/>
-              <a:t>Pitching</a:t>
-            </a:r>
-            <a:r>
-              <a:rPr lang="fr-FR" dirty="0"/>
-              <a:t> : Nous avons eu l’idée de nommer notre application </a:t>
-            </a:r>
-            <a:r>
-              <a:rPr lang="fr-FR" dirty="0" err="1"/>
-              <a:t>Rest’O’Stéria</a:t>
-            </a:r>
-            <a:r>
-              <a:rPr lang="fr-FR" dirty="0"/>
-              <a:t> pour répondre à une problématique qui est de pouvoir réserver un restaurant en fonction de notre géolocalisation ainsi que des places disponibles et en fonction des heures.</a:t>
-            </a:r>
-          </a:p>
-          <a:p>
-            <a:pPr marL="0" indent="0">
-              <a:buNone/>
-            </a:pPr>
-            <a:r>
-              <a:rPr lang="fr-FR" dirty="0"/>
-              <a:t>Le nom de l’application joue un rôle important dans l’inconscient collectif. Il permet d’établir un lien de proximité entre l’application et les utilisateurs. Ici le nom renvoi au restaurant, à la pause du midi ou encore au diner.</a:t>
-            </a:r>
-          </a:p>
-          <a:p>
-            <a:r>
-              <a:rPr lang="fr-FR" dirty="0"/>
-              <a:t>Logo/ image de marque : un O avec un couteau et une fourchette/cloche</a:t>
-            </a:r>
-          </a:p>
-          <a:p>
-            <a:pPr marL="0" indent="0">
-              <a:buNone/>
-            </a:pPr>
-            <a:endParaRPr lang="fr-FR" dirty="0"/>
-          </a:p>
-          <a:p>
-            <a:r>
-              <a:rPr lang="fr-FR" dirty="0"/>
-              <a:t>ce qui rejoint le but de l’application , </a:t>
-            </a:r>
-          </a:p>
-          <a:p>
-            <a:endParaRPr lang="fr-FR" dirty="0"/>
-          </a:p>
-          <a:p>
-            <a:r>
-              <a:rPr lang="fr-FR" dirty="0"/>
-              <a:t>L’intérêt : </a:t>
-            </a:r>
-          </a:p>
-          <a:p>
-            <a:pPr marL="0" indent="0">
-              <a:buNone/>
-            </a:pPr>
-            <a:r>
-              <a:rPr lang="fr-FR" dirty="0"/>
-              <a:t>du côté des restaurateurs/restaurant:</a:t>
-            </a:r>
-          </a:p>
-          <a:p>
-            <a:pPr>
-              <a:buFontTx/>
-              <a:buChar char="-"/>
-            </a:pPr>
-            <a:r>
-              <a:rPr lang="fr-FR" dirty="0"/>
-              <a:t>permettre aux restaurants de savoir à quelle moment du mois il y a plus de client (start up)</a:t>
-            </a:r>
-          </a:p>
-          <a:p>
-            <a:pPr>
-              <a:buFontTx/>
-              <a:buChar char="-"/>
-            </a:pPr>
-            <a:r>
-              <a:rPr lang="fr-FR" dirty="0"/>
-              <a:t>Réguler et contrôler l’affluence d’un restaurant et le temps d’attente des clients avant de recevoir leurs plats</a:t>
-            </a:r>
-          </a:p>
-          <a:p>
-            <a:pPr>
-              <a:buFontTx/>
-              <a:buChar char="-"/>
-            </a:pPr>
-            <a:r>
-              <a:rPr lang="fr-FR" dirty="0"/>
-              <a:t>Avoir des données statistiques visuels</a:t>
-            </a:r>
-          </a:p>
-          <a:p>
-            <a:pPr>
-              <a:buFontTx/>
-              <a:buChar char="-"/>
-            </a:pPr>
-            <a:r>
-              <a:rPr lang="fr-FR" dirty="0"/>
-              <a:t>Anticiper les annulations de dernières minutes</a:t>
-            </a:r>
-          </a:p>
-          <a:p>
-            <a:pPr>
-              <a:buFontTx/>
-              <a:buChar char="-"/>
-            </a:pPr>
-            <a:endParaRPr lang="fr-FR" dirty="0"/>
-          </a:p>
-          <a:p>
-            <a:pPr marL="0" indent="0">
-              <a:buNone/>
-            </a:pPr>
-            <a:r>
-              <a:rPr lang="fr-FR" dirty="0"/>
-              <a:t>Du côté des clients:</a:t>
-            </a:r>
-          </a:p>
-          <a:p>
-            <a:pPr>
-              <a:buFontTx/>
-              <a:buChar char="-"/>
-            </a:pPr>
-            <a:r>
-              <a:rPr lang="fr-FR" dirty="0"/>
-              <a:t>Trouver un restaurant à proximité même lorsqu’ils ne sont pas familier des environs</a:t>
-            </a:r>
-          </a:p>
-          <a:p>
-            <a:pPr>
-              <a:buFontTx/>
-              <a:buChar char="-"/>
-            </a:pPr>
-            <a:r>
-              <a:rPr lang="fr-FR" dirty="0"/>
-              <a:t>Accès à la carte en directe à distance</a:t>
-            </a:r>
-          </a:p>
-          <a:p>
-            <a:pPr>
-              <a:buFontTx/>
-              <a:buChar char="-"/>
-            </a:pPr>
-            <a:r>
-              <a:rPr lang="fr-FR" dirty="0"/>
-              <a:t>Moins de temps d’attente</a:t>
-            </a:r>
-          </a:p>
-          <a:p>
-            <a:endParaRPr lang="fr-FR" dirty="0"/>
-          </a:p>
-          <a:p>
-            <a:r>
-              <a:rPr lang="fr-FR" dirty="0"/>
-              <a:t> quelle serait l’envergure de l’application, y’a-t-il d’autre application du même genre?  Pourquoi notre application serait-elle meilleure que ses concurrents?</a:t>
-            </a:r>
+          <a:bodyPr/>
+          <a:lstStyle/>
+          <a:p>
+            <a:endParaRPr lang="fr-FR"/>
           </a:p>
         </p:txBody>
       </p:sp>
     </p:spTree>
     <p:extLst>
       <p:ext uri="{BB962C8B-B14F-4D97-AF65-F5344CB8AC3E}">
-        <p14:creationId xmlns:p14="http://schemas.microsoft.com/office/powerpoint/2010/main" val="3858776471"/>
+        <p14:creationId xmlns:p14="http://schemas.microsoft.com/office/powerpoint/2010/main" val="1594913592"/>
       </p:ext>
     </p:extLst>
   </p:cSld>
@@ -3940,6 +6868,247 @@
           <p:cNvPr id="2" name="Titre 1">
             <a:extLst>
               <a:ext uri="{FF2B5EF4-FFF2-40B4-BE49-F238E27FC236}">
+                <a16:creationId xmlns:a16="http://schemas.microsoft.com/office/drawing/2014/main" id="{D1351B3B-83F4-C868-3D36-1FCF1CDD1CC3}"/>
+              </a:ext>
+            </a:extLst>
+          </p:cNvPr>
+          <p:cNvSpPr>
+            <a:spLocks noGrp="1"/>
+          </p:cNvSpPr>
+          <p:nvPr>
+            <p:ph type="title"/>
+          </p:nvPr>
+        </p:nvSpPr>
+        <p:spPr/>
+        <p:txBody>
+          <a:bodyPr/>
+          <a:lstStyle/>
+          <a:p>
+            <a:pPr algn="ctr"/>
+            <a:r>
+              <a:rPr lang="fr-FR" dirty="0"/>
+              <a:t>Introduction</a:t>
+            </a:r>
+          </a:p>
+        </p:txBody>
+      </p:sp>
+      <p:sp>
+        <p:nvSpPr>
+          <p:cNvPr id="3" name="Espace réservé du contenu 2">
+            <a:extLst>
+              <a:ext uri="{FF2B5EF4-FFF2-40B4-BE49-F238E27FC236}">
+                <a16:creationId xmlns:a16="http://schemas.microsoft.com/office/drawing/2014/main" id="{CD2BF9AE-CD77-5822-5310-A6D3DBC287C6}"/>
+              </a:ext>
+            </a:extLst>
+          </p:cNvPr>
+          <p:cNvSpPr>
+            <a:spLocks noGrp="1"/>
+          </p:cNvSpPr>
+          <p:nvPr>
+            <p:ph idx="1"/>
+          </p:nvPr>
+        </p:nvSpPr>
+        <p:spPr/>
+        <p:txBody>
+          <a:bodyPr>
+            <a:normAutofit fontScale="32500" lnSpcReduction="20000"/>
+          </a:bodyPr>
+          <a:lstStyle/>
+          <a:p>
+            <a:r>
+              <a:rPr lang="fr-FR" dirty="0" err="1"/>
+              <a:t>Pitching</a:t>
+            </a:r>
+            <a:r>
+              <a:rPr lang="fr-FR" dirty="0"/>
+              <a:t> : Nous avons eu l’idée de nommer notre application </a:t>
+            </a:r>
+            <a:r>
+              <a:rPr lang="fr-FR" dirty="0" err="1"/>
+              <a:t>Rest’O’Stéria</a:t>
+            </a:r>
+            <a:r>
+              <a:rPr lang="fr-FR" dirty="0"/>
+              <a:t> pour répondre à une problématique qui est de pouvoir réserver un restaurant en fonction de notre géolocalisation ainsi que des places disponibles et en fonction des heures.</a:t>
+            </a:r>
+          </a:p>
+          <a:p>
+            <a:pPr marL="0" indent="0">
+              <a:buNone/>
+            </a:pPr>
+            <a:r>
+              <a:rPr lang="fr-FR" dirty="0"/>
+              <a:t>Le nom de l’application joue un rôle important dans l’inconscient collectif. Il permet d’établir un lien de proximité entre l’application et les utilisateurs. Ici le nom renvoi au restaurant, à la pause du midi ou encore au diner.</a:t>
+            </a:r>
+          </a:p>
+          <a:p>
+            <a:r>
+              <a:rPr lang="fr-FR" dirty="0"/>
+              <a:t>Logo/ image de marque : un O avec un couteau et une fourchette/cloche</a:t>
+            </a:r>
+          </a:p>
+          <a:p>
+            <a:pPr marL="0" indent="0">
+              <a:buNone/>
+            </a:pPr>
+            <a:endParaRPr lang="fr-FR" dirty="0"/>
+          </a:p>
+          <a:p>
+            <a:r>
+              <a:rPr lang="fr-FR" dirty="0"/>
+              <a:t>ce qui rejoint le but de l’application , </a:t>
+            </a:r>
+          </a:p>
+          <a:p>
+            <a:endParaRPr lang="fr-FR" dirty="0"/>
+          </a:p>
+          <a:p>
+            <a:r>
+              <a:rPr lang="fr-FR" dirty="0"/>
+              <a:t>L’intérêt : </a:t>
+            </a:r>
+          </a:p>
+          <a:p>
+            <a:pPr marL="0" indent="0">
+              <a:buNone/>
+            </a:pPr>
+            <a:r>
+              <a:rPr lang="fr-FR" dirty="0"/>
+              <a:t>du côté des restaurateurs/restaurant:</a:t>
+            </a:r>
+          </a:p>
+          <a:p>
+            <a:pPr>
+              <a:buFontTx/>
+              <a:buChar char="-"/>
+            </a:pPr>
+            <a:r>
+              <a:rPr lang="fr-FR" dirty="0"/>
+              <a:t>permettre aux restaurants de savoir à quelle moment du mois il y a plus de client (start up)</a:t>
+            </a:r>
+          </a:p>
+          <a:p>
+            <a:pPr>
+              <a:buFontTx/>
+              <a:buChar char="-"/>
+            </a:pPr>
+            <a:r>
+              <a:rPr lang="fr-FR" dirty="0"/>
+              <a:t>Réguler et contrôler l’affluence d’un restaurant et le temps d’attente des clients avant de recevoir leurs plats</a:t>
+            </a:r>
+          </a:p>
+          <a:p>
+            <a:pPr>
+              <a:buFontTx/>
+              <a:buChar char="-"/>
+            </a:pPr>
+            <a:r>
+              <a:rPr lang="fr-FR" dirty="0"/>
+              <a:t>Avoir des données statistiques visuels</a:t>
+            </a:r>
+          </a:p>
+          <a:p>
+            <a:pPr>
+              <a:buFontTx/>
+              <a:buChar char="-"/>
+            </a:pPr>
+            <a:r>
+              <a:rPr lang="fr-FR" dirty="0"/>
+              <a:t>Anticiper les annulations de dernières minutes</a:t>
+            </a:r>
+          </a:p>
+          <a:p>
+            <a:pPr>
+              <a:buFontTx/>
+              <a:buChar char="-"/>
+            </a:pPr>
+            <a:endParaRPr lang="fr-FR" dirty="0"/>
+          </a:p>
+          <a:p>
+            <a:pPr marL="0" indent="0">
+              <a:buNone/>
+            </a:pPr>
+            <a:r>
+              <a:rPr lang="fr-FR" dirty="0"/>
+              <a:t>Du côté des clients:</a:t>
+            </a:r>
+          </a:p>
+          <a:p>
+            <a:pPr>
+              <a:buFontTx/>
+              <a:buChar char="-"/>
+            </a:pPr>
+            <a:r>
+              <a:rPr lang="fr-FR" dirty="0"/>
+              <a:t>Trouver un restaurant à proximité même lorsqu’ils ne sont pas familier des environs</a:t>
+            </a:r>
+          </a:p>
+          <a:p>
+            <a:pPr>
+              <a:buFontTx/>
+              <a:buChar char="-"/>
+            </a:pPr>
+            <a:r>
+              <a:rPr lang="fr-FR" dirty="0"/>
+              <a:t>Accès à la carte en directe à distance</a:t>
+            </a:r>
+          </a:p>
+          <a:p>
+            <a:pPr>
+              <a:buFontTx/>
+              <a:buChar char="-"/>
+            </a:pPr>
+            <a:r>
+              <a:rPr lang="fr-FR" dirty="0"/>
+              <a:t>Moins de temps d’attente</a:t>
+            </a:r>
+          </a:p>
+          <a:p>
+            <a:endParaRPr lang="fr-FR" dirty="0"/>
+          </a:p>
+          <a:p>
+            <a:r>
+              <a:rPr lang="fr-FR" dirty="0"/>
+              <a:t> quelle serait l’envergure de l’application, y’a-t-il d’autre application du même genre?  Pourquoi notre application serait-elle meilleure que ses concurrents?</a:t>
+            </a:r>
+          </a:p>
+        </p:txBody>
+      </p:sp>
+    </p:spTree>
+    <p:extLst>
+      <p:ext uri="{BB962C8B-B14F-4D97-AF65-F5344CB8AC3E}">
+        <p14:creationId xmlns:p14="http://schemas.microsoft.com/office/powerpoint/2010/main" val="3858776471"/>
+      </p:ext>
+    </p:extLst>
+  </p:cSld>
+  <p:clrMapOvr>
+    <a:masterClrMapping/>
+  </p:clrMapOvr>
+</p:sld>
+</file>
+
+<file path=ppt/slides/slide4.xml><?xml version="1.0" encoding="utf-8"?>
+<p:sld xmlns:a="http://schemas.openxmlformats.org/drawingml/2006/main" xmlns:r="http://schemas.openxmlformats.org/officeDocument/2006/relationships" xmlns:p="http://schemas.openxmlformats.org/presentationml/2006/main">
+  <p:cSld>
+    <p:spTree>
+      <p:nvGrpSpPr>
+        <p:cNvPr id="1" name=""/>
+        <p:cNvGrpSpPr/>
+        <p:nvPr/>
+      </p:nvGrpSpPr>
+      <p:grpSpPr>
+        <a:xfrm>
+          <a:off x="0" y="0"/>
+          <a:ext cx="0" cy="0"/>
+          <a:chOff x="0" y="0"/>
+          <a:chExt cx="0" cy="0"/>
+        </a:xfrm>
+      </p:grpSpPr>
+      <p:sp>
+        <p:nvSpPr>
+          <p:cNvPr id="2" name="Titre 1">
+            <a:extLst>
+              <a:ext uri="{FF2B5EF4-FFF2-40B4-BE49-F238E27FC236}">
                 <a16:creationId xmlns:a16="http://schemas.microsoft.com/office/drawing/2014/main" id="{1E4BE112-1DFE-4A21-B5BA-A2EC54C01D02}"/>
               </a:ext>
             </a:extLst>
@@ -4023,7 +7192,7 @@
 </p:sld>
 </file>
 
-<file path=ppt/slides/slide4.xml><?xml version="1.0" encoding="utf-8"?>
+<file path=ppt/slides/slide5.xml><?xml version="1.0" encoding="utf-8"?>
 <p:sld xmlns:a="http://schemas.openxmlformats.org/drawingml/2006/main" xmlns:r="http://schemas.openxmlformats.org/officeDocument/2006/relationships" xmlns:p="http://schemas.openxmlformats.org/presentationml/2006/main">
   <p:cSld>
     <p:spTree>
@@ -4147,152 +7316,6 @@
 </p:sld>
 </file>
 
-<file path=ppt/slides/slide5.xml><?xml version="1.0" encoding="utf-8"?>
-<p:sld xmlns:a="http://schemas.openxmlformats.org/drawingml/2006/main" xmlns:r="http://schemas.openxmlformats.org/officeDocument/2006/relationships" xmlns:p="http://schemas.openxmlformats.org/presentationml/2006/main">
-  <p:cSld>
-    <p:spTree>
-      <p:nvGrpSpPr>
-        <p:cNvPr id="1" name=""/>
-        <p:cNvGrpSpPr/>
-        <p:nvPr/>
-      </p:nvGrpSpPr>
-      <p:grpSpPr>
-        <a:xfrm>
-          <a:off x="0" y="0"/>
-          <a:ext cx="0" cy="0"/>
-          <a:chOff x="0" y="0"/>
-          <a:chExt cx="0" cy="0"/>
-        </a:xfrm>
-      </p:grpSpPr>
-      <p:sp>
-        <p:nvSpPr>
-          <p:cNvPr id="2" name="Titre 1">
-            <a:extLst>
-              <a:ext uri="{FF2B5EF4-FFF2-40B4-BE49-F238E27FC236}">
-                <a16:creationId xmlns:a16="http://schemas.microsoft.com/office/drawing/2014/main" id="{6D4B73D4-77D7-647A-6BFA-72E2FD16BE4F}"/>
-              </a:ext>
-            </a:extLst>
-          </p:cNvPr>
-          <p:cNvSpPr>
-            <a:spLocks noGrp="1"/>
-          </p:cNvSpPr>
-          <p:nvPr>
-            <p:ph type="title"/>
-          </p:nvPr>
-        </p:nvSpPr>
-        <p:spPr/>
-        <p:txBody>
-          <a:bodyPr/>
-          <a:lstStyle/>
-          <a:p>
-            <a:pPr algn="ctr"/>
-            <a:r>
-              <a:rPr lang="fr-FR" dirty="0"/>
-              <a:t>Définition des </a:t>
-            </a:r>
-            <a:r>
-              <a:rPr lang="fr-FR"/>
-              <a:t>entités  </a:t>
-            </a:r>
-            <a:endParaRPr lang="fr-FR" dirty="0"/>
-          </a:p>
-        </p:txBody>
-      </p:sp>
-      <p:sp>
-        <p:nvSpPr>
-          <p:cNvPr id="3" name="Espace réservé du contenu 2">
-            <a:extLst>
-              <a:ext uri="{FF2B5EF4-FFF2-40B4-BE49-F238E27FC236}">
-                <a16:creationId xmlns:a16="http://schemas.microsoft.com/office/drawing/2014/main" id="{C3C95A2B-4102-2F70-6871-DF2F773CC410}"/>
-              </a:ext>
-            </a:extLst>
-          </p:cNvPr>
-          <p:cNvSpPr>
-            <a:spLocks noGrp="1"/>
-          </p:cNvSpPr>
-          <p:nvPr>
-            <p:ph idx="1"/>
-          </p:nvPr>
-        </p:nvSpPr>
-        <p:spPr/>
-        <p:txBody>
-          <a:bodyPr/>
-          <a:lstStyle/>
-          <a:p>
-            <a:r>
-              <a:rPr lang="fr-FR" dirty="0"/>
-              <a:t>Utilisateurs </a:t>
-            </a:r>
-            <a:r>
-              <a:rPr lang="fr-FR" dirty="0">
-                <a:sym typeface="Wingdings" panose="05000000000000000000" pitchFamily="2" charset="2"/>
-              </a:rPr>
-              <a:t></a:t>
-            </a:r>
-            <a:r>
-              <a:rPr lang="fr-FR" dirty="0"/>
-              <a:t> client/restaurateur</a:t>
-            </a:r>
-          </a:p>
-          <a:p>
-            <a:r>
-              <a:rPr lang="fr-FR" dirty="0"/>
-              <a:t>Réservation </a:t>
-            </a:r>
-            <a:r>
-              <a:rPr lang="fr-FR" dirty="0">
-                <a:sym typeface="Wingdings" panose="05000000000000000000" pitchFamily="2" charset="2"/>
-              </a:rPr>
-              <a:t></a:t>
-            </a:r>
-            <a:r>
-              <a:rPr lang="fr-FR" dirty="0"/>
-              <a:t> sur place/à emporter</a:t>
-            </a:r>
-          </a:p>
-          <a:p>
-            <a:r>
-              <a:rPr lang="fr-FR" dirty="0"/>
-              <a:t>Restaurant </a:t>
-            </a:r>
-            <a:r>
-              <a:rPr lang="fr-FR" dirty="0">
-                <a:sym typeface="Wingdings" panose="05000000000000000000" pitchFamily="2" charset="2"/>
-              </a:rPr>
-              <a:t></a:t>
-            </a:r>
-            <a:r>
-              <a:rPr lang="fr-FR" dirty="0"/>
-              <a:t>Menus</a:t>
-            </a:r>
-          </a:p>
-          <a:p>
-            <a:r>
-              <a:rPr lang="fr-FR" dirty="0"/>
-              <a:t>Commentaires : des clients et restaurants</a:t>
-            </a:r>
-          </a:p>
-          <a:p>
-            <a:endParaRPr lang="fr-FR" dirty="0"/>
-          </a:p>
-          <a:p>
-            <a:endParaRPr lang="fr-FR" dirty="0"/>
-          </a:p>
-        </p:txBody>
-      </p:sp>
-    </p:spTree>
-    <p:extLst>
-      <p:ext uri="{BB962C8B-B14F-4D97-AF65-F5344CB8AC3E}">
-        <p14:creationId xmlns:p14="http://schemas.microsoft.com/office/powerpoint/2010/main" val="3806293100"/>
-      </p:ext>
-    </p:extLst>
-  </p:cSld>
-  <p:clrMapOvr>
-    <a:masterClrMapping/>
-  </p:clrMapOvr>
-</p:sld>
-</file>
-
 <file path=ppt/slides/slide6.xml><?xml version="1.0" encoding="utf-8"?>
 <p:sld xmlns:a="http://schemas.openxmlformats.org/drawingml/2006/main" xmlns:r="http://schemas.openxmlformats.org/officeDocument/2006/relationships" xmlns:p="http://schemas.openxmlformats.org/presentationml/2006/main">
   <p:cSld>
@@ -4315,7 +7338,7 @@
           <p:cNvPr id="2" name="Titre 1">
             <a:extLst>
               <a:ext uri="{FF2B5EF4-FFF2-40B4-BE49-F238E27FC236}">
-                <a16:creationId xmlns:a16="http://schemas.microsoft.com/office/drawing/2014/main" id="{6C9557A2-E53C-9CBD-67B3-5765AD71B68E}"/>
+                <a16:creationId xmlns:a16="http://schemas.microsoft.com/office/drawing/2014/main" id="{39721384-644D-0E39-7AB8-AFD66460EEF3}"/>
               </a:ext>
             </a:extLst>
           </p:cNvPr>
@@ -4331,58 +7354,39 @@
           <a:bodyPr/>
           <a:lstStyle/>
           <a:p>
-            <a:pPr algn="ctr"/>
-            <a:r>
-              <a:rPr lang="fr-FR" dirty="0"/>
-              <a:t>Mapping du projet avec </a:t>
-            </a:r>
-            <a:r>
-              <a:rPr lang="fr-FR" dirty="0" err="1"/>
-              <a:t>StarUML</a:t>
-            </a:r>
-            <a:endParaRPr lang="fr-FR" dirty="0"/>
-          </a:p>
-        </p:txBody>
-      </p:sp>
-      <p:pic>
-        <p:nvPicPr>
-          <p:cNvPr id="5" name="Espace réservé du contenu 4">
-            <a:extLst>
-              <a:ext uri="{FF2B5EF4-FFF2-40B4-BE49-F238E27FC236}">
-                <a16:creationId xmlns:a16="http://schemas.microsoft.com/office/drawing/2014/main" id="{1469BDD8-BEE4-D15D-9F46-94F59F04BFFE}"/>
-              </a:ext>
-            </a:extLst>
-          </p:cNvPr>
-          <p:cNvPicPr>
-            <a:picLocks noGrp="1" noChangeAspect="1"/>
-          </p:cNvPicPr>
+            <a:endParaRPr lang="fr-FR"/>
+          </a:p>
+        </p:txBody>
+      </p:sp>
+      <p:sp>
+        <p:nvSpPr>
+          <p:cNvPr id="3" name="Espace réservé du contenu 2">
+            <a:extLst>
+              <a:ext uri="{FF2B5EF4-FFF2-40B4-BE49-F238E27FC236}">
+                <a16:creationId xmlns:a16="http://schemas.microsoft.com/office/drawing/2014/main" id="{9FB3DFE8-F279-3F9F-9C91-82285D125180}"/>
+              </a:ext>
+            </a:extLst>
+          </p:cNvPr>
+          <p:cNvSpPr>
+            <a:spLocks noGrp="1"/>
+          </p:cNvSpPr>
           <p:nvPr>
             <p:ph idx="1"/>
           </p:nvPr>
-        </p:nvPicPr>
-        <p:blipFill>
-          <a:blip r:embed="rId2">
-            <a:extLst>
-              <a:ext uri="{28A0092B-C50C-407E-A947-70E740481C1C}">
-                <a14:useLocalDpi xmlns:a14="http://schemas.microsoft.com/office/drawing/2010/main" val="0"/>
-              </a:ext>
-            </a:extLst>
-          </a:blip>
-          <a:stretch>
-            <a:fillRect/>
-          </a:stretch>
-        </p:blipFill>
-        <p:spPr>
-          <a:xfrm>
-            <a:off x="1252537" y="1886744"/>
-            <a:ext cx="7229475" cy="3810000"/>
-          </a:xfrm>
-        </p:spPr>
-      </p:pic>
+        </p:nvSpPr>
+        <p:spPr/>
+        <p:txBody>
+          <a:bodyPr/>
+          <a:lstStyle/>
+          <a:p>
+            <a:endParaRPr lang="fr-FR"/>
+          </a:p>
+        </p:txBody>
+      </p:sp>
     </p:spTree>
     <p:extLst>
       <p:ext uri="{BB962C8B-B14F-4D97-AF65-F5344CB8AC3E}">
-        <p14:creationId xmlns:p14="http://schemas.microsoft.com/office/powerpoint/2010/main" val="2498822334"/>
+        <p14:creationId xmlns:p14="http://schemas.microsoft.com/office/powerpoint/2010/main" val="1183620316"/>
       </p:ext>
     </p:extLst>
   </p:cSld>
@@ -4414,7 +7418,7 @@
           <p:cNvPr id="2" name="Titre 1">
             <a:extLst>
               <a:ext uri="{FF2B5EF4-FFF2-40B4-BE49-F238E27FC236}">
-                <a16:creationId xmlns:a16="http://schemas.microsoft.com/office/drawing/2014/main" id="{EFD6A794-26D7-3C4D-CF47-1C2573EFC7D4}"/>
+                <a16:creationId xmlns:a16="http://schemas.microsoft.com/office/drawing/2014/main" id="{6D4B73D4-77D7-647A-6BFA-72E2FD16BE4F}"/>
               </a:ext>
             </a:extLst>
           </p:cNvPr>
@@ -4433,8 +7437,13 @@
             <a:pPr algn="ctr"/>
             <a:r>
               <a:rPr lang="fr-FR" dirty="0"/>
-              <a:t>Logiciels utilisés</a:t>
-            </a:r>
+              <a:t>Définition des </a:t>
+            </a:r>
+            <a:r>
+              <a:rPr lang="fr-FR"/>
+              <a:t>entités  </a:t>
+            </a:r>
+            <a:endParaRPr lang="fr-FR" dirty="0"/>
           </a:p>
         </p:txBody>
       </p:sp>
@@ -4443,7 +7452,7 @@
           <p:cNvPr id="3" name="Espace réservé du contenu 2">
             <a:extLst>
               <a:ext uri="{FF2B5EF4-FFF2-40B4-BE49-F238E27FC236}">
-                <a16:creationId xmlns:a16="http://schemas.microsoft.com/office/drawing/2014/main" id="{4E6BFD31-0F79-EEB0-ACD6-080B6665F107}"/>
+                <a16:creationId xmlns:a16="http://schemas.microsoft.com/office/drawing/2014/main" id="{C3C95A2B-4102-2F70-6871-DF2F773CC410}"/>
               </a:ext>
             </a:extLst>
           </p:cNvPr>
@@ -4456,23 +7465,12 @@
         </p:nvSpPr>
         <p:spPr/>
         <p:txBody>
-          <a:bodyPr>
-            <a:normAutofit lnSpcReduction="10000"/>
-          </a:bodyPr>
+          <a:bodyPr/>
           <a:lstStyle/>
           <a:p>
             <a:r>
               <a:rPr lang="fr-FR" dirty="0"/>
-              <a:t>Back end : </a:t>
-            </a:r>
-          </a:p>
-          <a:p>
-            <a:pPr marL="0" indent="0">
-              <a:buNone/>
-            </a:pPr>
-            <a:r>
-              <a:rPr lang="fr-FR" dirty="0"/>
-              <a:t>-éclipse </a:t>
+              <a:t>Utilisateurs </a:t>
             </a:r>
             <a:r>
               <a:rPr lang="fr-FR" dirty="0">
@@ -4482,105 +7480,59 @@
             </a:r>
             <a:r>
               <a:rPr lang="fr-FR" dirty="0"/>
-              <a:t> java</a:t>
-            </a:r>
-          </a:p>
-          <a:p>
-            <a:pPr marL="0" indent="0">
-              <a:buNone/>
-            </a:pPr>
+              <a:t> client/restaurateur</a:t>
+            </a:r>
+          </a:p>
+          <a:p>
             <a:r>
               <a:rPr lang="fr-FR" dirty="0"/>
-              <a:t>-MySQL</a:t>
+              <a:t>Réservation </a:t>
             </a:r>
             <a:r>
               <a:rPr lang="fr-FR" dirty="0">
                 <a:sym typeface="Wingdings" panose="05000000000000000000" pitchFamily="2" charset="2"/>
               </a:rPr>
-              <a:t> Base de donnée</a:t>
-            </a:r>
-          </a:p>
-          <a:p>
-            <a:pPr marL="0" indent="0">
-              <a:buNone/>
-            </a:pPr>
+              <a:t></a:t>
+            </a:r>
+            <a:r>
+              <a:rPr lang="fr-FR" dirty="0"/>
+              <a:t> sur place/à emporter</a:t>
+            </a:r>
+          </a:p>
+          <a:p>
+            <a:r>
+              <a:rPr lang="fr-FR" dirty="0"/>
+              <a:t>Restaurant </a:t>
+            </a:r>
             <a:r>
               <a:rPr lang="fr-FR" dirty="0">
                 <a:sym typeface="Wingdings" panose="05000000000000000000" pitchFamily="2" charset="2"/>
               </a:rPr>
-              <a:t>-Postman</a:t>
-            </a:r>
-          </a:p>
-          <a:p>
-            <a:pPr marL="0" indent="0">
-              <a:buNone/>
-            </a:pPr>
-            <a:endParaRPr lang="fr-FR" dirty="0">
-              <a:sym typeface="Wingdings" panose="05000000000000000000" pitchFamily="2" charset="2"/>
-            </a:endParaRPr>
-          </a:p>
-          <a:p>
-            <a:r>
-              <a:rPr lang="fr-FR" dirty="0">
-                <a:sym typeface="Wingdings" panose="05000000000000000000" pitchFamily="2" charset="2"/>
-              </a:rPr>
-              <a:t>Front end : </a:t>
-            </a:r>
-          </a:p>
-          <a:p>
-            <a:pPr marL="0" indent="0">
-              <a:buNone/>
-            </a:pPr>
-            <a:r>
-              <a:rPr lang="fr-FR" dirty="0">
-                <a:sym typeface="Wingdings" panose="05000000000000000000" pitchFamily="2" charset="2"/>
-              </a:rPr>
-              <a:t>-Visual Studio Code Javascript, HTML, </a:t>
-            </a:r>
-            <a:r>
-              <a:rPr lang="fr-FR" dirty="0" err="1">
-                <a:sym typeface="Wingdings" panose="05000000000000000000" pitchFamily="2" charset="2"/>
-              </a:rPr>
-              <a:t>TypeScript</a:t>
-            </a:r>
-            <a:endParaRPr lang="fr-FR" dirty="0">
-              <a:sym typeface="Wingdings" panose="05000000000000000000" pitchFamily="2" charset="2"/>
-            </a:endParaRPr>
-          </a:p>
-          <a:p>
-            <a:pPr marL="0" indent="0">
-              <a:buNone/>
-            </a:pPr>
-            <a:endParaRPr lang="fr-FR" dirty="0">
-              <a:sym typeface="Wingdings" panose="05000000000000000000" pitchFamily="2" charset="2"/>
-            </a:endParaRPr>
-          </a:p>
-          <a:p>
-            <a:pPr marL="0" indent="0">
-              <a:buNone/>
-            </a:pPr>
-            <a:r>
-              <a:rPr lang="fr-FR" dirty="0">
-                <a:sym typeface="Wingdings" panose="05000000000000000000" pitchFamily="2" charset="2"/>
-              </a:rPr>
-              <a:t>Projet réalisé via </a:t>
-            </a:r>
-            <a:r>
-              <a:rPr lang="fr-FR" dirty="0" err="1">
-                <a:sym typeface="Wingdings" panose="05000000000000000000" pitchFamily="2" charset="2"/>
-              </a:rPr>
-              <a:t>Github</a:t>
-            </a:r>
-            <a:endParaRPr lang="fr-FR" dirty="0">
-              <a:sym typeface="Wingdings" panose="05000000000000000000" pitchFamily="2" charset="2"/>
-            </a:endParaRPr>
+              <a:t></a:t>
+            </a:r>
+            <a:r>
+              <a:rPr lang="fr-FR" dirty="0"/>
+              <a:t>Menus</a:t>
+            </a:r>
+          </a:p>
+          <a:p>
+            <a:r>
+              <a:rPr lang="fr-FR" dirty="0"/>
+              <a:t>Commentaires : des clients et restaurants</a:t>
+            </a:r>
+          </a:p>
+          <a:p>
+            <a:endParaRPr lang="fr-FR" dirty="0"/>
+          </a:p>
+          <a:p>
+            <a:endParaRPr lang="fr-FR" dirty="0"/>
           </a:p>
         </p:txBody>
       </p:sp>
     </p:spTree>
     <p:extLst>
       <p:ext uri="{BB962C8B-B14F-4D97-AF65-F5344CB8AC3E}">
-        <p14:creationId xmlns:p14="http://schemas.microsoft.com/office/powerpoint/2010/main" val="649648059"/>
+        <p14:creationId xmlns:p14="http://schemas.microsoft.com/office/powerpoint/2010/main" val="3806293100"/>
       </p:ext>
     </p:extLst>
   </p:cSld>
@@ -4612,7 +7564,7 @@
           <p:cNvPr id="2" name="Titre 1">
             <a:extLst>
               <a:ext uri="{FF2B5EF4-FFF2-40B4-BE49-F238E27FC236}">
-                <a16:creationId xmlns:a16="http://schemas.microsoft.com/office/drawing/2014/main" id="{02327891-C8A1-3041-EF04-1B559AC81D48}"/>
+                <a16:creationId xmlns:a16="http://schemas.microsoft.com/office/drawing/2014/main" id="{6C9557A2-E53C-9CBD-67B3-5765AD71B68E}"/>
               </a:ext>
             </a:extLst>
           </p:cNvPr>
@@ -4628,39 +7580,58 @@
           <a:bodyPr/>
           <a:lstStyle/>
           <a:p>
-            <a:endParaRPr lang="fr-FR"/>
-          </a:p>
-        </p:txBody>
-      </p:sp>
-      <p:sp>
-        <p:nvSpPr>
-          <p:cNvPr id="3" name="Espace réservé du contenu 2">
-            <a:extLst>
-              <a:ext uri="{FF2B5EF4-FFF2-40B4-BE49-F238E27FC236}">
-                <a16:creationId xmlns:a16="http://schemas.microsoft.com/office/drawing/2014/main" id="{3357FF9D-FEA6-8F8C-222A-9D9ACCD85409}"/>
-              </a:ext>
-            </a:extLst>
-          </p:cNvPr>
-          <p:cNvSpPr>
-            <a:spLocks noGrp="1"/>
-          </p:cNvSpPr>
+            <a:pPr algn="ctr"/>
+            <a:r>
+              <a:rPr lang="fr-FR" dirty="0"/>
+              <a:t>Mapping du projet avec </a:t>
+            </a:r>
+            <a:r>
+              <a:rPr lang="fr-FR" dirty="0" err="1"/>
+              <a:t>StarUML</a:t>
+            </a:r>
+            <a:endParaRPr lang="fr-FR" dirty="0"/>
+          </a:p>
+        </p:txBody>
+      </p:sp>
+      <p:pic>
+        <p:nvPicPr>
+          <p:cNvPr id="5" name="Espace réservé du contenu 4">
+            <a:extLst>
+              <a:ext uri="{FF2B5EF4-FFF2-40B4-BE49-F238E27FC236}">
+                <a16:creationId xmlns:a16="http://schemas.microsoft.com/office/drawing/2014/main" id="{1469BDD8-BEE4-D15D-9F46-94F59F04BFFE}"/>
+              </a:ext>
+            </a:extLst>
+          </p:cNvPr>
+          <p:cNvPicPr>
+            <a:picLocks noGrp="1" noChangeAspect="1"/>
+          </p:cNvPicPr>
           <p:nvPr>
             <p:ph idx="1"/>
           </p:nvPr>
-        </p:nvSpPr>
-        <p:spPr/>
-        <p:txBody>
-          <a:bodyPr/>
-          <a:lstStyle/>
-          <a:p>
-            <a:endParaRPr lang="fr-FR"/>
-          </a:p>
-        </p:txBody>
-      </p:sp>
+        </p:nvPicPr>
+        <p:blipFill>
+          <a:blip r:embed="rId2">
+            <a:extLst>
+              <a:ext uri="{28A0092B-C50C-407E-A947-70E740481C1C}">
+                <a14:useLocalDpi xmlns:a14="http://schemas.microsoft.com/office/drawing/2010/main" val="0"/>
+              </a:ext>
+            </a:extLst>
+          </a:blip>
+          <a:stretch>
+            <a:fillRect/>
+          </a:stretch>
+        </p:blipFill>
+        <p:spPr>
+          <a:xfrm>
+            <a:off x="1252537" y="1886744"/>
+            <a:ext cx="7229475" cy="3810000"/>
+          </a:xfrm>
+        </p:spPr>
+      </p:pic>
     </p:spTree>
     <p:extLst>
       <p:ext uri="{BB962C8B-B14F-4D97-AF65-F5344CB8AC3E}">
-        <p14:creationId xmlns:p14="http://schemas.microsoft.com/office/powerpoint/2010/main" val="2940658040"/>
+        <p14:creationId xmlns:p14="http://schemas.microsoft.com/office/powerpoint/2010/main" val="2498822334"/>
       </p:ext>
     </p:extLst>
   </p:cSld>
@@ -4692,7 +7663,7 @@
           <p:cNvPr id="2" name="Titre 1">
             <a:extLst>
               <a:ext uri="{FF2B5EF4-FFF2-40B4-BE49-F238E27FC236}">
-                <a16:creationId xmlns:a16="http://schemas.microsoft.com/office/drawing/2014/main" id="{4DD1EA34-19E0-2DAD-0794-3337773037D1}"/>
+                <a16:creationId xmlns:a16="http://schemas.microsoft.com/office/drawing/2014/main" id="{EFD6A794-26D7-3C4D-CF47-1C2573EFC7D4}"/>
               </a:ext>
             </a:extLst>
           </p:cNvPr>
@@ -4708,7 +7679,11 @@
           <a:bodyPr/>
           <a:lstStyle/>
           <a:p>
-            <a:endParaRPr lang="fr-FR"/>
+            <a:pPr algn="ctr"/>
+            <a:r>
+              <a:rPr lang="fr-FR" dirty="0"/>
+              <a:t>Logiciels utilisés</a:t>
+            </a:r>
           </a:p>
         </p:txBody>
       </p:sp>
@@ -4717,7 +7692,7 @@
           <p:cNvPr id="3" name="Espace réservé du contenu 2">
             <a:extLst>
               <a:ext uri="{FF2B5EF4-FFF2-40B4-BE49-F238E27FC236}">
-                <a16:creationId xmlns:a16="http://schemas.microsoft.com/office/drawing/2014/main" id="{648AB00C-C18C-718F-3939-C0C8958A48CA}"/>
+                <a16:creationId xmlns:a16="http://schemas.microsoft.com/office/drawing/2014/main" id="{4E6BFD31-0F79-EEB0-ACD6-080B6665F107}"/>
               </a:ext>
             </a:extLst>
           </p:cNvPr>
@@ -4730,17 +7705,143 @@
         </p:nvSpPr>
         <p:spPr/>
         <p:txBody>
-          <a:bodyPr/>
-          <a:lstStyle/>
-          <a:p>
-            <a:endParaRPr lang="fr-FR"/>
+          <a:bodyPr>
+            <a:normAutofit lnSpcReduction="10000"/>
+          </a:bodyPr>
+          <a:lstStyle/>
+          <a:p>
+            <a:r>
+              <a:rPr lang="fr-FR" dirty="0"/>
+              <a:t>Back end : </a:t>
+            </a:r>
+          </a:p>
+          <a:p>
+            <a:pPr marL="0" indent="0">
+              <a:buNone/>
+            </a:pPr>
+            <a:r>
+              <a:rPr lang="fr-FR" dirty="0"/>
+              <a:t>-éclipse </a:t>
+            </a:r>
+            <a:r>
+              <a:rPr lang="fr-FR" dirty="0">
+                <a:sym typeface="Wingdings" panose="05000000000000000000" pitchFamily="2" charset="2"/>
+              </a:rPr>
+              <a:t></a:t>
+            </a:r>
+            <a:r>
+              <a:rPr lang="fr-FR" dirty="0"/>
+              <a:t> java</a:t>
+            </a:r>
+          </a:p>
+          <a:p>
+            <a:pPr marL="0" indent="0">
+              <a:buNone/>
+            </a:pPr>
+            <a:r>
+              <a:rPr lang="fr-FR" dirty="0"/>
+              <a:t>-MySQL</a:t>
+            </a:r>
+            <a:r>
+              <a:rPr lang="fr-FR" dirty="0">
+                <a:sym typeface="Wingdings" panose="05000000000000000000" pitchFamily="2" charset="2"/>
+              </a:rPr>
+              <a:t> Base de donnée</a:t>
+            </a:r>
+          </a:p>
+          <a:p>
+            <a:pPr marL="0" indent="0">
+              <a:buNone/>
+            </a:pPr>
+            <a:r>
+              <a:rPr lang="fr-FR" dirty="0">
+                <a:sym typeface="Wingdings" panose="05000000000000000000" pitchFamily="2" charset="2"/>
+              </a:rPr>
+              <a:t>-</a:t>
+            </a:r>
+            <a:r>
+              <a:rPr lang="fr-FR" dirty="0" err="1">
+                <a:sym typeface="Wingdings" panose="05000000000000000000" pitchFamily="2" charset="2"/>
+              </a:rPr>
+              <a:t>Postmanpour</a:t>
+            </a:r>
+            <a:r>
+              <a:rPr lang="fr-FR" dirty="0">
+                <a:sym typeface="Wingdings" panose="05000000000000000000" pitchFamily="2" charset="2"/>
+              </a:rPr>
+              <a:t> les tests et la création de compte </a:t>
+            </a:r>
+          </a:p>
+          <a:p>
+            <a:pPr marL="0" indent="0">
+              <a:buNone/>
+            </a:pPr>
+            <a:endParaRPr lang="fr-FR" dirty="0">
+              <a:sym typeface="Wingdings" panose="05000000000000000000" pitchFamily="2" charset="2"/>
+            </a:endParaRPr>
+          </a:p>
+          <a:p>
+            <a:r>
+              <a:rPr lang="fr-FR" dirty="0">
+                <a:sym typeface="Wingdings" panose="05000000000000000000" pitchFamily="2" charset="2"/>
+              </a:rPr>
+              <a:t>Front end : </a:t>
+            </a:r>
+          </a:p>
+          <a:p>
+            <a:pPr marL="0" indent="0">
+              <a:buNone/>
+            </a:pPr>
+            <a:r>
+              <a:rPr lang="fr-FR" dirty="0">
+                <a:sym typeface="Wingdings" panose="05000000000000000000" pitchFamily="2" charset="2"/>
+              </a:rPr>
+              <a:t>-Visual Studio Code Javascript, HTML, </a:t>
+            </a:r>
+            <a:r>
+              <a:rPr lang="fr-FR" dirty="0" err="1">
+                <a:sym typeface="Wingdings" panose="05000000000000000000" pitchFamily="2" charset="2"/>
+              </a:rPr>
+              <a:t>TypeScript</a:t>
+            </a:r>
+            <a:endParaRPr lang="fr-FR" dirty="0">
+              <a:sym typeface="Wingdings" panose="05000000000000000000" pitchFamily="2" charset="2"/>
+            </a:endParaRPr>
+          </a:p>
+          <a:p>
+            <a:pPr marL="0" indent="0">
+              <a:buNone/>
+            </a:pPr>
+            <a:endParaRPr lang="fr-FR" dirty="0">
+              <a:sym typeface="Wingdings" panose="05000000000000000000" pitchFamily="2" charset="2"/>
+            </a:endParaRPr>
+          </a:p>
+          <a:p>
+            <a:pPr marL="0" indent="0">
+              <a:buNone/>
+            </a:pPr>
+            <a:r>
+              <a:rPr lang="fr-FR" dirty="0">
+                <a:sym typeface="Wingdings" panose="05000000000000000000" pitchFamily="2" charset="2"/>
+              </a:rPr>
+              <a:t>Projet réalisé via </a:t>
+            </a:r>
+            <a:r>
+              <a:rPr lang="fr-FR" dirty="0" err="1">
+                <a:sym typeface="Wingdings" panose="05000000000000000000" pitchFamily="2" charset="2"/>
+              </a:rPr>
+              <a:t>Github</a:t>
+            </a:r>
+            <a:endParaRPr lang="fr-FR" dirty="0">
+              <a:sym typeface="Wingdings" panose="05000000000000000000" pitchFamily="2" charset="2"/>
+            </a:endParaRPr>
           </a:p>
         </p:txBody>
       </p:sp>
     </p:spTree>
     <p:extLst>
       <p:ext uri="{BB962C8B-B14F-4D97-AF65-F5344CB8AC3E}">
-        <p14:creationId xmlns:p14="http://schemas.microsoft.com/office/powerpoint/2010/main" val="2702291591"/>
+        <p14:creationId xmlns:p14="http://schemas.microsoft.com/office/powerpoint/2010/main" val="649648059"/>
       </p:ext>
     </p:extLst>
   </p:cSld>
